--- a/GC&memLeaks/demand-mem-leak.pptx
+++ b/GC&memLeaks/demand-mem-leak.pptx
@@ -233,7 +233,7 @@
           <a:p>
             <a:fld id="{76FB3B5D-8085-41F4-8D3F-AD7279DC1F90}" type="datetimeFigureOut">
               <a:rPr lang="en-US" smtClean="0"/>
-              <a:t>12/8/22</a:t>
+              <a:t>12/10/22</a:t>
             </a:fld>
             <a:endParaRPr lang="en-US"/>
           </a:p>
@@ -719,7 +719,7 @@
           <a:p>
             <a:fld id="{28AE415C-7A85-634B-B028-DBE71C5D2D63}" type="datetime1">
               <a:rPr lang="en-US" smtClean="0"/>
-              <a:t>12/8/22</a:t>
+              <a:t>12/10/22</a:t>
             </a:fld>
             <a:endParaRPr lang="en-US"/>
           </a:p>
@@ -1591,7 +1591,7 @@
           <a:p>
             <a:fld id="{348C49A0-719E-C942-A783-66E173E6A0F0}" type="datetime1">
               <a:rPr lang="en-US" smtClean="0"/>
-              <a:t>12/8/22</a:t>
+              <a:t>12/10/22</a:t>
             </a:fld>
             <a:endParaRPr lang="en-US"/>
           </a:p>
@@ -1769,7 +1769,7 @@
           <a:p>
             <a:fld id="{7F0FF785-B1BC-7C47-8418-671EC1989A67}" type="datetime1">
               <a:rPr lang="en-US" smtClean="0"/>
-              <a:t>12/8/22</a:t>
+              <a:t>12/10/22</a:t>
             </a:fld>
             <a:endParaRPr lang="en-US"/>
           </a:p>
@@ -1942,7 +1942,7 @@
           <a:p>
             <a:fld id="{FBC6205D-28A0-D14B-BB25-8E18F06B9E65}" type="datetime1">
               <a:rPr lang="en-US" smtClean="0"/>
-              <a:t>12/8/22</a:t>
+              <a:t>12/10/22</a:t>
             </a:fld>
             <a:endParaRPr lang="en-US"/>
           </a:p>
@@ -2155,7 +2155,7 @@
           <a:p>
             <a:fld id="{E0B5867B-D9CD-7440-8E34-2DE4EEBB756F}" type="datetime1">
               <a:rPr lang="en-US" smtClean="0"/>
-              <a:t>12/8/22</a:t>
+              <a:t>12/10/22</a:t>
             </a:fld>
             <a:endParaRPr lang="en-US"/>
           </a:p>
@@ -2972,7 +2972,7 @@
           <a:p>
             <a:fld id="{C4A280C9-E45C-9241-904E-CCA7A172C53A}" type="datetime1">
               <a:rPr lang="en-US" smtClean="0"/>
-              <a:t>12/8/22</a:t>
+              <a:t>12/10/22</a:t>
             </a:fld>
             <a:endParaRPr lang="en-US"/>
           </a:p>
@@ -3211,7 +3211,7 @@
           <a:p>
             <a:fld id="{B00548EF-D67B-BD4A-9D30-4143161FE6C7}" type="datetime1">
               <a:rPr lang="en-US" smtClean="0"/>
-              <a:t>12/8/22</a:t>
+              <a:t>12/10/22</a:t>
             </a:fld>
             <a:endParaRPr lang="en-US"/>
           </a:p>
@@ -3537,7 +3537,7 @@
           <a:p>
             <a:fld id="{F2D71A65-90D4-EE40-BBFD-8771A93CB24C}" type="datetime1">
               <a:rPr lang="en-US" smtClean="0"/>
-              <a:t>12/8/22</a:t>
+              <a:t>12/10/22</a:t>
             </a:fld>
             <a:endParaRPr lang="en-US"/>
           </a:p>
@@ -3631,7 +3631,7 @@
           <a:p>
             <a:fld id="{FD4EEC9E-69C9-2145-9EEE-DB99B983CF0A}" type="datetime1">
               <a:rPr lang="en-US" smtClean="0"/>
-              <a:t>12/8/22</a:t>
+              <a:t>12/10/22</a:t>
             </a:fld>
             <a:endParaRPr lang="en-US"/>
           </a:p>
@@ -4151,7 +4151,7 @@
           <a:p>
             <a:fld id="{7218A1DF-E552-E741-9FD8-9B85174CEEA6}" type="datetime1">
               <a:rPr lang="en-US" smtClean="0"/>
-              <a:t>12/8/22</a:t>
+              <a:t>12/10/22</a:t>
             </a:fld>
             <a:endParaRPr lang="en-US"/>
           </a:p>
@@ -4665,7 +4665,7 @@
           <a:p>
             <a:fld id="{56AB1607-3325-4A40-862F-490ACE222F66}" type="datetime1">
               <a:rPr lang="en-US" smtClean="0"/>
-              <a:t>12/8/22</a:t>
+              <a:t>12/10/22</a:t>
             </a:fld>
             <a:endParaRPr lang="en-US"/>
           </a:p>
@@ -4912,7 +4912,7 @@
           <a:p>
             <a:fld id="{96CD6ED2-99B4-D84C-83B0-15233ABEDB88}" type="datetime1">
               <a:rPr lang="en-US" smtClean="0"/>
-              <a:t>12/8/22</a:t>
+              <a:t>12/10/22</a:t>
             </a:fld>
             <a:endParaRPr lang="en-US"/>
           </a:p>
@@ -5666,11 +5666,11 @@
   <p:clrMapOvr>
     <a:masterClrMapping/>
   </p:clrMapOvr>
-  <mc:AlternateContent xmlns:mc="http://schemas.openxmlformats.org/markup-compatibility/2006">
-    <mc:Choice xmlns:p14="http://schemas.microsoft.com/office/powerpoint/2010/main" Requires="p14">
+  <mc:AlternateContent xmlns:mc="http://schemas.openxmlformats.org/markup-compatibility/2006" xmlns:p14="http://schemas.microsoft.com/office/powerpoint/2010/main">
+    <mc:Choice Requires="p14">
       <p:transition p14:dur="0" advClick="0" advTm="0"/>
     </mc:Choice>
-    <mc:Fallback>
+    <mc:Fallback xmlns="">
       <p:transition advClick="0" advTm="0"/>
     </mc:Fallback>
   </mc:AlternateContent>
@@ -5782,11 +5782,11 @@
   <p:clrMapOvr>
     <a:masterClrMapping/>
   </p:clrMapOvr>
-  <mc:AlternateContent xmlns:mc="http://schemas.openxmlformats.org/markup-compatibility/2006">
-    <mc:Choice xmlns:p14="http://schemas.microsoft.com/office/powerpoint/2010/main" Requires="p14">
+  <mc:AlternateContent xmlns:mc="http://schemas.openxmlformats.org/markup-compatibility/2006" xmlns:p14="http://schemas.microsoft.com/office/powerpoint/2010/main">
+    <mc:Choice Requires="p14">
       <p:transition p14:dur="0" advClick="0" advTm="4000"/>
     </mc:Choice>
-    <mc:Fallback>
+    <mc:Fallback xmlns="">
       <p:transition advClick="0" advTm="4000"/>
     </mc:Fallback>
   </mc:AlternateContent>
@@ -6031,11 +6031,11 @@
   <p:clrMapOvr>
     <a:masterClrMapping/>
   </p:clrMapOvr>
-  <mc:AlternateContent xmlns:mc="http://schemas.openxmlformats.org/markup-compatibility/2006">
-    <mc:Choice xmlns:p14="http://schemas.microsoft.com/office/powerpoint/2010/main" Requires="p14">
+  <mc:AlternateContent xmlns:mc="http://schemas.openxmlformats.org/markup-compatibility/2006" xmlns:p14="http://schemas.microsoft.com/office/powerpoint/2010/main">
+    <mc:Choice Requires="p14">
       <p:transition p14:dur="0" advClick="0" advTm="4000"/>
     </mc:Choice>
-    <mc:Fallback>
+    <mc:Fallback xmlns="">
       <p:transition advClick="0" advTm="4000"/>
     </mc:Fallback>
   </mc:AlternateContent>
@@ -6109,11 +6109,11 @@
   <p:clrMapOvr>
     <a:masterClrMapping/>
   </p:clrMapOvr>
-  <mc:AlternateContent xmlns:mc="http://schemas.openxmlformats.org/markup-compatibility/2006">
-    <mc:Choice xmlns:p14="http://schemas.microsoft.com/office/powerpoint/2010/main" Requires="p14">
+  <mc:AlternateContent xmlns:mc="http://schemas.openxmlformats.org/markup-compatibility/2006" xmlns:p14="http://schemas.microsoft.com/office/powerpoint/2010/main">
+    <mc:Choice Requires="p14">
       <p:transition p14:dur="0" advClick="0" advTm="4000"/>
     </mc:Choice>
-    <mc:Fallback>
+    <mc:Fallback xmlns="">
       <p:transition advClick="0" advTm="4000"/>
     </mc:Fallback>
   </mc:AlternateContent>
@@ -6250,11 +6250,11 @@
   <p:clrMapOvr>
     <a:masterClrMapping/>
   </p:clrMapOvr>
-  <mc:AlternateContent xmlns:mc="http://schemas.openxmlformats.org/markup-compatibility/2006">
-    <mc:Choice xmlns:p14="http://schemas.microsoft.com/office/powerpoint/2010/main" Requires="p14">
+  <mc:AlternateContent xmlns:mc="http://schemas.openxmlformats.org/markup-compatibility/2006" xmlns:p14="http://schemas.microsoft.com/office/powerpoint/2010/main">
+    <mc:Choice Requires="p14">
       <p:transition p14:dur="0" advClick="0" advTm="4000"/>
     </mc:Choice>
-    <mc:Fallback>
+    <mc:Fallback xmlns="">
       <p:transition advClick="0" advTm="4000"/>
     </mc:Fallback>
   </mc:AlternateContent>
@@ -6278,36 +6278,6 @@
           <a:chExt cx="0" cy="0"/>
         </a:xfrm>
       </p:grpSpPr>
-      <p:sp>
-        <p:nvSpPr>
-          <p:cNvPr id="2" name="Title 1">
-            <a:extLst>
-              <a:ext uri="{FF2B5EF4-FFF2-40B4-BE49-F238E27FC236}">
-                <a16:creationId xmlns:a16="http://schemas.microsoft.com/office/drawing/2014/main" id="{AADD0040-2C6B-5849-B8DA-0CA041F65B15}"/>
-              </a:ext>
-            </a:extLst>
-          </p:cNvPr>
-          <p:cNvSpPr>
-            <a:spLocks noGrp="1"/>
-          </p:cNvSpPr>
-          <p:nvPr>
-            <p:ph type="title"/>
-          </p:nvPr>
-        </p:nvSpPr>
-        <p:spPr>
-          <a:xfrm>
-            <a:off x="457200" y="274638"/>
-            <a:ext cx="7467600" cy="715962"/>
-          </a:xfrm>
-        </p:spPr>
-        <p:txBody>
-          <a:bodyPr/>
-          <a:lstStyle/>
-          <a:p>
-            <a:endParaRPr lang="en-IL" dirty="0"/>
-          </a:p>
-        </p:txBody>
-      </p:sp>
       <p:pic>
         <p:nvPicPr>
           <p:cNvPr id="6" name="Content Placeholder 5">
@@ -6338,7 +6308,7 @@
         </p:blipFill>
         <p:spPr>
           <a:xfrm>
-            <a:off x="457200" y="2063432"/>
+            <a:off x="533400" y="1143000"/>
             <a:ext cx="7467600" cy="3947160"/>
           </a:xfrm>
         </p:spPr>
@@ -6353,11 +6323,11 @@
   <p:clrMapOvr>
     <a:masterClrMapping/>
   </p:clrMapOvr>
-  <mc:AlternateContent xmlns:mc="http://schemas.openxmlformats.org/markup-compatibility/2006">
-    <mc:Choice xmlns:p14="http://schemas.microsoft.com/office/powerpoint/2010/main" Requires="p14">
+  <mc:AlternateContent xmlns:mc="http://schemas.openxmlformats.org/markup-compatibility/2006" xmlns:p14="http://schemas.microsoft.com/office/powerpoint/2010/main">
+    <mc:Choice Requires="p14">
       <p:transition p14:dur="0" advClick="0" advTm="4000"/>
     </mc:Choice>
-    <mc:Fallback>
+    <mc:Fallback xmlns="">
       <p:transition advClick="0" advTm="4000"/>
     </mc:Fallback>
   </mc:AlternateContent>
@@ -6454,11 +6424,11 @@
   <p:clrMapOvr>
     <a:masterClrMapping/>
   </p:clrMapOvr>
-  <mc:AlternateContent xmlns:mc="http://schemas.openxmlformats.org/markup-compatibility/2006">
-    <mc:Choice xmlns:p14="http://schemas.microsoft.com/office/powerpoint/2010/main" Requires="p14">
+  <mc:AlternateContent xmlns:mc="http://schemas.openxmlformats.org/markup-compatibility/2006" xmlns:p14="http://schemas.microsoft.com/office/powerpoint/2010/main">
+    <mc:Choice Requires="p14">
       <p:transition p14:dur="0" advClick="0" advTm="4000"/>
     </mc:Choice>
-    <mc:Fallback>
+    <mc:Fallback xmlns="">
       <p:transition advClick="0" advTm="4000"/>
     </mc:Fallback>
   </mc:AlternateContent>
@@ -6500,13 +6470,13 @@
         </p:nvSpPr>
         <p:spPr>
           <a:xfrm>
-            <a:off x="457200" y="533400"/>
+            <a:off x="457200" y="325620"/>
             <a:ext cx="7467600" cy="884238"/>
           </a:xfrm>
         </p:spPr>
         <p:txBody>
           <a:bodyPr>
-            <a:normAutofit fontScale="90000"/>
+            <a:normAutofit/>
           </a:bodyPr>
           <a:lstStyle/>
           <a:p>
@@ -6516,23 +6486,23 @@
                   <a:srgbClr val="404040"/>
                 </a:solidFill>
                 <a:effectLst/>
-                <a:latin typeface="Montserrat" pitchFamily="2" charset="77"/>
+                <a:latin typeface="Andale Mono" panose="020B0509000000000004" pitchFamily="49" charset="0"/>
               </a:rPr>
-              <a:t>Scavenge and Mark-Sweep collection</a:t>
-            </a:r>
-            <a:br>
-              <a:rPr lang="en-US" b="1" i="0" dirty="0">
+              <a:t>Node memory </a:t>
+            </a:r>
+            <a:r>
+              <a:rPr lang="en-US" b="1" i="0" dirty="0" err="1">
                 <a:solidFill>
                   <a:srgbClr val="404040"/>
                 </a:solidFill>
                 <a:effectLst/>
-                <a:latin typeface="Montserrat" pitchFamily="2" charset="77"/>
+                <a:latin typeface="Andale Mono" panose="020B0509000000000004" pitchFamily="49" charset="0"/>
               </a:rPr>
-            </a:br>
-            <a:br>
-              <a:rPr lang="en-US" dirty="0"/>
-            </a:br>
-            <a:endParaRPr lang="en-IL" dirty="0"/>
+              <a:t>managment</a:t>
+            </a:r>
+            <a:endParaRPr lang="en-IL" dirty="0">
+              <a:latin typeface="Andale Mono" panose="020B0509000000000004" pitchFamily="49" charset="0"/>
+            </a:endParaRPr>
           </a:p>
         </p:txBody>
       </p:sp>
@@ -6722,11 +6692,11 @@
   <p:clrMapOvr>
     <a:masterClrMapping/>
   </p:clrMapOvr>
-  <mc:AlternateContent xmlns:mc="http://schemas.openxmlformats.org/markup-compatibility/2006">
-    <mc:Choice xmlns:p14="http://schemas.microsoft.com/office/powerpoint/2010/main" Requires="p14">
+  <mc:AlternateContent xmlns:mc="http://schemas.openxmlformats.org/markup-compatibility/2006" xmlns:p14="http://schemas.microsoft.com/office/powerpoint/2010/main">
+    <mc:Choice Requires="p14">
       <p:transition p14:dur="0" advClick="0" advTm="4000"/>
     </mc:Choice>
-    <mc:Fallback>
+    <mc:Fallback xmlns="">
       <p:transition advClick="0" advTm="4000"/>
     </mc:Fallback>
   </mc:AlternateContent>
@@ -6881,11 +6851,11 @@
   <p:clrMapOvr>
     <a:masterClrMapping/>
   </p:clrMapOvr>
-  <mc:AlternateContent xmlns:mc="http://schemas.openxmlformats.org/markup-compatibility/2006">
-    <mc:Choice xmlns:p14="http://schemas.microsoft.com/office/powerpoint/2010/main" Requires="p14">
+  <mc:AlternateContent xmlns:mc="http://schemas.openxmlformats.org/markup-compatibility/2006" xmlns:p14="http://schemas.microsoft.com/office/powerpoint/2010/main">
+    <mc:Choice Requires="p14">
       <p:transition p14:dur="0" advClick="0" advTm="4000"/>
     </mc:Choice>
-    <mc:Fallback>
+    <mc:Fallback xmlns="">
       <p:transition advClick="0" advTm="4000"/>
     </mc:Fallback>
   </mc:AlternateContent>
@@ -7040,11 +7010,11 @@
   <p:clrMapOvr>
     <a:masterClrMapping/>
   </p:clrMapOvr>
-  <mc:AlternateContent xmlns:mc="http://schemas.openxmlformats.org/markup-compatibility/2006">
-    <mc:Choice xmlns:p14="http://schemas.microsoft.com/office/powerpoint/2010/main" Requires="p14">
+  <mc:AlternateContent xmlns:mc="http://schemas.openxmlformats.org/markup-compatibility/2006" xmlns:p14="http://schemas.microsoft.com/office/powerpoint/2010/main">
+    <mc:Choice Requires="p14">
       <p:transition p14:dur="0" advClick="0" advTm="4000"/>
     </mc:Choice>
-    <mc:Fallback>
+    <mc:Fallback xmlns="">
       <p:transition advClick="0" advTm="4000"/>
     </mc:Fallback>
   </mc:AlternateContent>
@@ -7236,11 +7206,11 @@
   <p:clrMapOvr>
     <a:masterClrMapping/>
   </p:clrMapOvr>
-  <mc:AlternateContent xmlns:mc="http://schemas.openxmlformats.org/markup-compatibility/2006">
-    <mc:Choice xmlns:p14="http://schemas.microsoft.com/office/powerpoint/2010/main" Requires="p14">
+  <mc:AlternateContent xmlns:mc="http://schemas.openxmlformats.org/markup-compatibility/2006" xmlns:p14="http://schemas.microsoft.com/office/powerpoint/2010/main">
+    <mc:Choice Requires="p14">
       <p:transition p14:dur="0" advClick="0" advTm="4000"/>
     </mc:Choice>
-    <mc:Fallback>
+    <mc:Fallback xmlns="">
       <p:transition advClick="0" advTm="4000"/>
     </mc:Fallback>
   </mc:AlternateContent>
@@ -7369,11 +7339,11 @@
   <p:clrMapOvr>
     <a:masterClrMapping/>
   </p:clrMapOvr>
-  <mc:AlternateContent xmlns:mc="http://schemas.openxmlformats.org/markup-compatibility/2006">
-    <mc:Choice xmlns:p14="http://schemas.microsoft.com/office/powerpoint/2010/main" Requires="p14">
+  <mc:AlternateContent xmlns:mc="http://schemas.openxmlformats.org/markup-compatibility/2006" xmlns:p14="http://schemas.microsoft.com/office/powerpoint/2010/main">
+    <mc:Choice Requires="p14">
       <p:transition p14:dur="0" advClick="0" advTm="4000"/>
     </mc:Choice>
-    <mc:Fallback>
+    <mc:Fallback xmlns="">
       <p:transition advClick="0" advTm="4000"/>
     </mc:Fallback>
   </mc:AlternateContent>
@@ -7439,11 +7409,11 @@
   <p:clrMapOvr>
     <a:masterClrMapping/>
   </p:clrMapOvr>
-  <mc:AlternateContent xmlns:mc="http://schemas.openxmlformats.org/markup-compatibility/2006">
-    <mc:Choice xmlns:p14="http://schemas.microsoft.com/office/powerpoint/2010/main" Requires="p14">
+  <mc:AlternateContent xmlns:mc="http://schemas.openxmlformats.org/markup-compatibility/2006" xmlns:p14="http://schemas.microsoft.com/office/powerpoint/2010/main">
+    <mc:Choice Requires="p14">
       <p:transition p14:dur="0" advClick="0" advTm="4000"/>
     </mc:Choice>
-    <mc:Fallback>
+    <mc:Fallback xmlns="">
       <p:transition advClick="0" advTm="4000"/>
     </mc:Fallback>
   </mc:AlternateContent>
@@ -7586,11 +7556,11 @@
   <p:clrMapOvr>
     <a:masterClrMapping/>
   </p:clrMapOvr>
-  <mc:AlternateContent xmlns:mc="http://schemas.openxmlformats.org/markup-compatibility/2006">
-    <mc:Choice xmlns:p14="http://schemas.microsoft.com/office/powerpoint/2010/main" Requires="p14">
+  <mc:AlternateContent xmlns:mc="http://schemas.openxmlformats.org/markup-compatibility/2006" xmlns:p14="http://schemas.microsoft.com/office/powerpoint/2010/main">
+    <mc:Choice Requires="p14">
       <p:transition p14:dur="0" advClick="0" advTm="4000"/>
     </mc:Choice>
-    <mc:Fallback>
+    <mc:Fallback xmlns="">
       <p:transition advClick="0" advTm="4000"/>
     </mc:Fallback>
   </mc:AlternateContent>
@@ -7733,11 +7703,11 @@
   <p:clrMapOvr>
     <a:masterClrMapping/>
   </p:clrMapOvr>
-  <mc:AlternateContent xmlns:mc="http://schemas.openxmlformats.org/markup-compatibility/2006">
-    <mc:Choice xmlns:p14="http://schemas.microsoft.com/office/powerpoint/2010/main" Requires="p14">
+  <mc:AlternateContent xmlns:mc="http://schemas.openxmlformats.org/markup-compatibility/2006" xmlns:p14="http://schemas.microsoft.com/office/powerpoint/2010/main">
+    <mc:Choice Requires="p14">
       <p:transition p14:dur="0" advClick="0" advTm="4000"/>
     </mc:Choice>
-    <mc:Fallback>
+    <mc:Fallback xmlns="">
       <p:transition advClick="0" advTm="4000"/>
     </mc:Fallback>
   </mc:AlternateContent>
@@ -7763,54 +7733,271 @@
       </p:grpSpPr>
       <p:sp>
         <p:nvSpPr>
-          <p:cNvPr id="2" name="Title 1">
+          <p:cNvPr id="4" name="Title 1">
             <a:extLst>
               <a:ext uri="{FF2B5EF4-FFF2-40B4-BE49-F238E27FC236}">
-                <a16:creationId xmlns:a16="http://schemas.microsoft.com/office/drawing/2014/main" id="{3DE87EEF-B58E-3B27-6908-77BB1D3B0303}"/>
+                <a16:creationId xmlns:a16="http://schemas.microsoft.com/office/drawing/2014/main" id="{18B64B51-C835-07B5-E8AE-6AEF7D309EF2}"/>
               </a:ext>
             </a:extLst>
           </p:cNvPr>
-          <p:cNvSpPr>
-            <a:spLocks noGrp="1"/>
-          </p:cNvSpPr>
-          <p:nvPr>
-            <p:ph type="title"/>
-          </p:nvPr>
-        </p:nvSpPr>
-        <p:spPr/>
-        <p:txBody>
-          <a:bodyPr/>
-          <a:lstStyle/>
-          <a:p>
-            <a:endParaRPr lang="en-IL"/>
-          </a:p>
-        </p:txBody>
-      </p:sp>
-      <p:sp>
-        <p:nvSpPr>
-          <p:cNvPr id="3" name="Content Placeholder 2">
+          <p:cNvSpPr txBox="1">
+            <a:spLocks/>
+          </p:cNvSpPr>
+          <p:nvPr/>
+        </p:nvSpPr>
+        <p:spPr>
+          <a:xfrm>
+            <a:off x="1752600" y="1447800"/>
+            <a:ext cx="6705600" cy="2895600"/>
+          </a:xfrm>
+          <a:prstGeom prst="rect">
+            <a:avLst/>
+          </a:prstGeom>
+        </p:spPr>
+        <p:txBody>
+          <a:bodyPr vert="horz" anchor="b">
+            <a:noAutofit/>
+          </a:bodyPr>
+          <a:lstStyle>
+            <a:lvl1pPr algn="l" rtl="0" eaLnBrk="1" latinLnBrk="0" hangingPunct="1">
+              <a:spcBef>
+                <a:spcPct val="0"/>
+              </a:spcBef>
+              <a:buNone/>
+              <a:defRPr kumimoji="0" sz="3000" b="1" kern="1200" cap="small" baseline="0">
+                <a:solidFill>
+                  <a:schemeClr val="tx2"/>
+                </a:solidFill>
+                <a:latin typeface="+mj-lt"/>
+                <a:ea typeface="+mj-ea"/>
+                <a:cs typeface="+mj-cs"/>
+              </a:defRPr>
+            </a:lvl1pPr>
+          </a:lstStyle>
+          <a:p>
+            <a:endParaRPr lang="en-US" sz="4000" dirty="0"/>
+          </a:p>
+        </p:txBody>
+      </p:sp>
+      <p:sp>
+        <p:nvSpPr>
+          <p:cNvPr id="5" name="Title 1">
             <a:extLst>
               <a:ext uri="{FF2B5EF4-FFF2-40B4-BE49-F238E27FC236}">
-                <a16:creationId xmlns:a16="http://schemas.microsoft.com/office/drawing/2014/main" id="{6A78A477-BF35-970E-D835-2EB08DA9A429}"/>
+                <a16:creationId xmlns:a16="http://schemas.microsoft.com/office/drawing/2014/main" id="{7CDDCB61-46E6-3BF1-3B24-EE6333CB7A32}"/>
               </a:ext>
             </a:extLst>
           </p:cNvPr>
-          <p:cNvSpPr>
-            <a:spLocks noGrp="1"/>
-          </p:cNvSpPr>
-          <p:nvPr>
-            <p:ph sz="quarter" idx="1"/>
-          </p:nvPr>
-        </p:nvSpPr>
-        <p:spPr/>
-        <p:txBody>
-          <a:bodyPr/>
-          <a:lstStyle/>
-          <a:p>
-            <a:endParaRPr lang="en-IL"/>
-          </a:p>
-        </p:txBody>
-      </p:sp>
+          <p:cNvSpPr txBox="1">
+            <a:spLocks/>
+          </p:cNvSpPr>
+          <p:nvPr/>
+        </p:nvSpPr>
+        <p:spPr>
+          <a:xfrm>
+            <a:off x="685800" y="232365"/>
+            <a:ext cx="6705600" cy="598962"/>
+          </a:xfrm>
+          <a:prstGeom prst="rect">
+            <a:avLst/>
+          </a:prstGeom>
+        </p:spPr>
+        <p:txBody>
+          <a:bodyPr vert="horz" anchor="b">
+            <a:noAutofit/>
+          </a:bodyPr>
+          <a:lstStyle>
+            <a:lvl1pPr algn="l" rtl="0" eaLnBrk="1" latinLnBrk="0" hangingPunct="1">
+              <a:spcBef>
+                <a:spcPct val="0"/>
+              </a:spcBef>
+              <a:buNone/>
+              <a:defRPr kumimoji="0" sz="3000" b="0" kern="1200" cap="small" baseline="0">
+                <a:solidFill>
+                  <a:schemeClr val="tx2"/>
+                </a:solidFill>
+                <a:latin typeface="+mj-lt"/>
+                <a:ea typeface="+mj-ea"/>
+                <a:cs typeface="+mj-cs"/>
+              </a:defRPr>
+            </a:lvl1pPr>
+          </a:lstStyle>
+          <a:p>
+            <a:r>
+              <a:rPr lang="en-US" sz="3600" dirty="0"/>
+              <a:t>Happy Coding ..</a:t>
+            </a:r>
+          </a:p>
+        </p:txBody>
+      </p:sp>
+      <p:sp>
+        <p:nvSpPr>
+          <p:cNvPr id="6" name="Title 1">
+            <a:extLst>
+              <a:ext uri="{FF2B5EF4-FFF2-40B4-BE49-F238E27FC236}">
+                <a16:creationId xmlns:a16="http://schemas.microsoft.com/office/drawing/2014/main" id="{59B48319-965B-EFF8-EE0C-38419E543469}"/>
+              </a:ext>
+            </a:extLst>
+          </p:cNvPr>
+          <p:cNvSpPr txBox="1">
+            <a:spLocks/>
+          </p:cNvSpPr>
+          <p:nvPr/>
+        </p:nvSpPr>
+        <p:spPr>
+          <a:xfrm>
+            <a:off x="1066800" y="5590823"/>
+            <a:ext cx="8686800" cy="825819"/>
+          </a:xfrm>
+          <a:prstGeom prst="rect">
+            <a:avLst/>
+          </a:prstGeom>
+        </p:spPr>
+        <p:txBody>
+          <a:bodyPr vert="horz" anchor="b">
+            <a:noAutofit/>
+          </a:bodyPr>
+          <a:lstStyle>
+            <a:lvl1pPr algn="l" rtl="0" eaLnBrk="1" latinLnBrk="0" hangingPunct="1">
+              <a:spcBef>
+                <a:spcPct val="0"/>
+              </a:spcBef>
+              <a:buNone/>
+              <a:defRPr kumimoji="0" sz="3000" b="1" kern="1200" cap="small" baseline="0">
+                <a:solidFill>
+                  <a:schemeClr val="tx2"/>
+                </a:solidFill>
+                <a:latin typeface="+mj-lt"/>
+                <a:ea typeface="+mj-ea"/>
+                <a:cs typeface="+mj-cs"/>
+              </a:defRPr>
+            </a:lvl1pPr>
+          </a:lstStyle>
+          <a:p>
+            <a:r>
+              <a:rPr lang="en-US" sz="2400" dirty="0">
+                <a:hlinkClick r:id="rId2"/>
+              </a:rPr>
+              <a:t>https://</a:t>
+            </a:r>
+            <a:r>
+              <a:rPr lang="en-US" sz="2400" dirty="0" err="1">
+                <a:hlinkClick r:id="rId2"/>
+              </a:rPr>
+              <a:t>github.com</a:t>
+            </a:r>
+            <a:r>
+              <a:rPr lang="en-US" sz="2400" dirty="0">
+                <a:hlinkClick r:id="rId2"/>
+              </a:rPr>
+              <a:t>/</a:t>
+            </a:r>
+            <a:r>
+              <a:rPr lang="en-US" sz="2400" dirty="0" err="1">
+                <a:hlinkClick r:id="rId2"/>
+              </a:rPr>
+              <a:t>ntedgi</a:t>
+            </a:r>
+            <a:r>
+              <a:rPr lang="en-US" sz="2400" dirty="0">
+                <a:hlinkClick r:id="rId2"/>
+              </a:rPr>
+              <a:t>/Demand-</a:t>
+            </a:r>
+            <a:r>
+              <a:rPr lang="en-US" sz="2400" dirty="0" err="1">
+                <a:hlinkClick r:id="rId2"/>
+              </a:rPr>
+              <a:t>TechTalks</a:t>
+            </a:r>
+            <a:endParaRPr lang="en-US" sz="2400" dirty="0"/>
+          </a:p>
+        </p:txBody>
+      </p:sp>
+      <p:sp>
+        <p:nvSpPr>
+          <p:cNvPr id="7" name="Title 1">
+            <a:extLst>
+              <a:ext uri="{FF2B5EF4-FFF2-40B4-BE49-F238E27FC236}">
+                <a16:creationId xmlns:a16="http://schemas.microsoft.com/office/drawing/2014/main" id="{A8EBD982-229E-9029-182A-F04F40ED51A7}"/>
+              </a:ext>
+            </a:extLst>
+          </p:cNvPr>
+          <p:cNvSpPr txBox="1">
+            <a:spLocks/>
+          </p:cNvSpPr>
+          <p:nvPr/>
+        </p:nvSpPr>
+        <p:spPr>
+          <a:xfrm>
+            <a:off x="2057400" y="1752600"/>
+            <a:ext cx="6705600" cy="2895600"/>
+          </a:xfrm>
+          <a:prstGeom prst="rect">
+            <a:avLst/>
+          </a:prstGeom>
+        </p:spPr>
+        <p:txBody>
+          <a:bodyPr vert="horz" anchor="b">
+            <a:noAutofit/>
+          </a:bodyPr>
+          <a:lstStyle>
+            <a:lvl1pPr algn="l" rtl="0" eaLnBrk="1" latinLnBrk="0" hangingPunct="1">
+              <a:spcBef>
+                <a:spcPct val="0"/>
+              </a:spcBef>
+              <a:buNone/>
+              <a:defRPr kumimoji="0" sz="3000" b="1" kern="1200" cap="small" baseline="0">
+                <a:solidFill>
+                  <a:schemeClr val="tx2"/>
+                </a:solidFill>
+                <a:latin typeface="+mj-lt"/>
+                <a:ea typeface="+mj-ea"/>
+                <a:cs typeface="+mj-cs"/>
+              </a:defRPr>
+            </a:lvl1pPr>
+          </a:lstStyle>
+          <a:p>
+            <a:endParaRPr lang="en-US" sz="4000" dirty="0"/>
+          </a:p>
+        </p:txBody>
+      </p:sp>
+      <p:pic>
+        <p:nvPicPr>
+          <p:cNvPr id="10" name="Picture 9">
+            <a:extLst>
+              <a:ext uri="{FF2B5EF4-FFF2-40B4-BE49-F238E27FC236}">
+                <a16:creationId xmlns:a16="http://schemas.microsoft.com/office/drawing/2014/main" id="{3919DFA8-1934-7F2B-2F46-323E2BDAD46B}"/>
+              </a:ext>
+            </a:extLst>
+          </p:cNvPr>
+          <p:cNvPicPr>
+            <a:picLocks noChangeAspect="1"/>
+          </p:cNvPicPr>
+          <p:nvPr/>
+        </p:nvPicPr>
+        <p:blipFill>
+          <a:blip r:embed="rId3">
+            <a:extLst>
+              <a:ext uri="{28A0092B-C50C-407E-A947-70E740481C1C}">
+                <a14:useLocalDpi xmlns:a14="http://schemas.microsoft.com/office/drawing/2010/main" val="0"/>
+              </a:ext>
+            </a:extLst>
+          </a:blip>
+          <a:stretch>
+            <a:fillRect/>
+          </a:stretch>
+        </p:blipFill>
+        <p:spPr>
+          <a:xfrm>
+            <a:off x="914400" y="914400"/>
+            <a:ext cx="7772400" cy="4799143"/>
+          </a:xfrm>
+          <a:prstGeom prst="rect">
+            <a:avLst/>
+          </a:prstGeom>
+        </p:spPr>
+      </p:pic>
     </p:spTree>
     <p:extLst>
       <p:ext uri="{BB962C8B-B14F-4D97-AF65-F5344CB8AC3E}">
@@ -7821,11 +8008,11 @@
   <p:clrMapOvr>
     <a:masterClrMapping/>
   </p:clrMapOvr>
-  <mc:AlternateContent xmlns:mc="http://schemas.openxmlformats.org/markup-compatibility/2006">
-    <mc:Choice xmlns:p14="http://schemas.microsoft.com/office/powerpoint/2010/main" Requires="p14">
+  <mc:AlternateContent xmlns:mc="http://schemas.openxmlformats.org/markup-compatibility/2006" xmlns:p14="http://schemas.microsoft.com/office/powerpoint/2010/main">
+    <mc:Choice Requires="p14">
       <p:transition p14:dur="0" advClick="0" advTm="4000"/>
     </mc:Choice>
-    <mc:Fallback>
+    <mc:Fallback xmlns="">
       <p:transition advClick="0" advTm="4000"/>
     </mc:Fallback>
   </mc:AlternateContent>
@@ -7930,11 +8117,11 @@
   <p:clrMapOvr>
     <a:masterClrMapping/>
   </p:clrMapOvr>
-  <mc:AlternateContent xmlns:mc="http://schemas.openxmlformats.org/markup-compatibility/2006">
-    <mc:Choice xmlns:p14="http://schemas.microsoft.com/office/powerpoint/2010/main" Requires="p14">
+  <mc:AlternateContent xmlns:mc="http://schemas.openxmlformats.org/markup-compatibility/2006" xmlns:p14="http://schemas.microsoft.com/office/powerpoint/2010/main">
+    <mc:Choice Requires="p14">
       <p:transition p14:dur="0" advClick="0" advTm="4000"/>
     </mc:Choice>
-    <mc:Fallback>
+    <mc:Fallback xmlns="">
       <p:transition advClick="0" advTm="4000"/>
     </mc:Fallback>
   </mc:AlternateContent>
@@ -8080,11 +8267,11 @@
   <p:clrMapOvr>
     <a:masterClrMapping/>
   </p:clrMapOvr>
-  <mc:AlternateContent xmlns:mc="http://schemas.openxmlformats.org/markup-compatibility/2006">
-    <mc:Choice xmlns:p14="http://schemas.microsoft.com/office/powerpoint/2010/main" Requires="p14">
+  <mc:AlternateContent xmlns:mc="http://schemas.openxmlformats.org/markup-compatibility/2006" xmlns:p14="http://schemas.microsoft.com/office/powerpoint/2010/main">
+    <mc:Choice Requires="p14">
       <p:transition p14:dur="0" advClick="0" advTm="4000"/>
     </mc:Choice>
-    <mc:Fallback>
+    <mc:Fallback xmlns="">
       <p:transition advClick="0" advTm="4000"/>
     </mc:Fallback>
   </mc:AlternateContent>
@@ -8196,11 +8383,11 @@
   <p:clrMapOvr>
     <a:masterClrMapping/>
   </p:clrMapOvr>
-  <mc:AlternateContent xmlns:mc="http://schemas.openxmlformats.org/markup-compatibility/2006">
-    <mc:Choice xmlns:p14="http://schemas.microsoft.com/office/powerpoint/2010/main" Requires="p14">
+  <mc:AlternateContent xmlns:mc="http://schemas.openxmlformats.org/markup-compatibility/2006" xmlns:p14="http://schemas.microsoft.com/office/powerpoint/2010/main">
+    <mc:Choice Requires="p14">
       <p:transition p14:dur="0" advClick="0" advTm="4000"/>
     </mc:Choice>
-    <mc:Fallback>
+    <mc:Fallback xmlns="">
       <p:transition advClick="0" advTm="4000"/>
     </mc:Fallback>
   </mc:AlternateContent>
@@ -8352,7 +8539,26 @@
                 <a:effectLst/>
                 <a:latin typeface="Andale Mono" panose="020B0509000000000004" pitchFamily="49" charset="0"/>
               </a:rPr>
-              <a:t> add(4, 5)</a:t>
+              <a:t> add(10, </a:t>
+            </a:r>
+            <a:r>
+              <a:rPr lang="en-US" dirty="0">
+                <a:solidFill>
+                  <a:srgbClr val="000000"/>
+                </a:solidFill>
+                <a:latin typeface="Andale Mono" panose="020B0509000000000004" pitchFamily="49" charset="0"/>
+              </a:rPr>
+              <a:t>12</a:t>
+            </a:r>
+            <a:r>
+              <a:rPr lang="en-US" b="0" i="0" dirty="0">
+                <a:solidFill>
+                  <a:srgbClr val="000000"/>
+                </a:solidFill>
+                <a:effectLst/>
+                <a:latin typeface="Andale Mono" panose="020B0509000000000004" pitchFamily="49" charset="0"/>
+              </a:rPr>
+              <a:t>)</a:t>
             </a:r>
             <a:endParaRPr lang="en-IL" dirty="0">
               <a:latin typeface="Andale Mono" panose="020B0509000000000004" pitchFamily="49" charset="0"/>
@@ -8370,11 +8576,11 @@
   <p:clrMapOvr>
     <a:masterClrMapping/>
   </p:clrMapOvr>
-  <mc:AlternateContent xmlns:mc="http://schemas.openxmlformats.org/markup-compatibility/2006">
-    <mc:Choice xmlns:p14="http://schemas.microsoft.com/office/powerpoint/2010/main" Requires="p14">
+  <mc:AlternateContent xmlns:mc="http://schemas.openxmlformats.org/markup-compatibility/2006" xmlns:p14="http://schemas.microsoft.com/office/powerpoint/2010/main">
+    <mc:Choice Requires="p14">
       <p:transition p14:dur="0" advClick="0" advTm="4000"/>
     </mc:Choice>
-    <mc:Fallback>
+    <mc:Fallback xmlns="">
       <p:transition advClick="0" advTm="4000"/>
     </mc:Fallback>
   </mc:AlternateContent>
@@ -8584,11 +8790,11 @@
   <p:clrMapOvr>
     <a:masterClrMapping/>
   </p:clrMapOvr>
-  <mc:AlternateContent xmlns:mc="http://schemas.openxmlformats.org/markup-compatibility/2006">
-    <mc:Choice xmlns:p14="http://schemas.microsoft.com/office/powerpoint/2010/main" Requires="p14">
+  <mc:AlternateContent xmlns:mc="http://schemas.openxmlformats.org/markup-compatibility/2006" xmlns:p14="http://schemas.microsoft.com/office/powerpoint/2010/main">
+    <mc:Choice Requires="p14">
       <p:transition p14:dur="0" advClick="0" advTm="4000"/>
     </mc:Choice>
-    <mc:Fallback>
+    <mc:Fallback xmlns="">
       <p:transition advClick="0" advTm="4000"/>
     </mc:Fallback>
   </mc:AlternateContent>
@@ -8838,11 +9044,11 @@
   <p:clrMapOvr>
     <a:masterClrMapping/>
   </p:clrMapOvr>
-  <mc:AlternateContent xmlns:mc="http://schemas.openxmlformats.org/markup-compatibility/2006">
-    <mc:Choice xmlns:p14="http://schemas.microsoft.com/office/powerpoint/2010/main" Requires="p14">
+  <mc:AlternateContent xmlns:mc="http://schemas.openxmlformats.org/markup-compatibility/2006" xmlns:p14="http://schemas.microsoft.com/office/powerpoint/2010/main">
+    <mc:Choice Requires="p14">
       <p:transition p14:dur="0" advClick="0" advTm="4000"/>
     </mc:Choice>
-    <mc:Fallback>
+    <mc:Fallback xmlns="">
       <p:transition advClick="0" advTm="4000"/>
     </mc:Fallback>
   </mc:AlternateContent>
@@ -8958,11 +9164,11 @@
   <p:clrMapOvr>
     <a:masterClrMapping/>
   </p:clrMapOvr>
-  <mc:AlternateContent xmlns:mc="http://schemas.openxmlformats.org/markup-compatibility/2006">
-    <mc:Choice xmlns:p14="http://schemas.microsoft.com/office/powerpoint/2010/main" Requires="p14">
+  <mc:AlternateContent xmlns:mc="http://schemas.openxmlformats.org/markup-compatibility/2006" xmlns:p14="http://schemas.microsoft.com/office/powerpoint/2010/main">
+    <mc:Choice Requires="p14">
       <p:transition p14:dur="0" advClick="0" advTm="4000"/>
     </mc:Choice>
-    <mc:Fallback>
+    <mc:Fallback xmlns="">
       <p:transition advClick="0" advTm="4000"/>
     </mc:Fallback>
   </mc:AlternateContent>

--- a/GC&memLeaks/demand-mem-leak.pptx
+++ b/GC&memLeaks/demand-mem-leak.pptx
@@ -5,17 +5,17 @@
     <p:sldMasterId id="2147483720" r:id="rId1"/>
   </p:sldMasterIdLst>
   <p:notesMasterIdLst>
-    <p:notesMasterId r:id="rId25"/>
+    <p:notesMasterId r:id="rId26"/>
   </p:notesMasterIdLst>
   <p:sldIdLst>
     <p:sldId id="263" r:id="rId2"/>
     <p:sldId id="264" r:id="rId3"/>
-    <p:sldId id="280" r:id="rId4"/>
-    <p:sldId id="281" r:id="rId5"/>
-    <p:sldId id="267" r:id="rId6"/>
-    <p:sldId id="265" r:id="rId7"/>
-    <p:sldId id="266" r:id="rId8"/>
-    <p:sldId id="268" r:id="rId9"/>
+    <p:sldId id="265" r:id="rId4"/>
+    <p:sldId id="286" r:id="rId5"/>
+    <p:sldId id="266" r:id="rId6"/>
+    <p:sldId id="280" r:id="rId7"/>
+    <p:sldId id="281" r:id="rId8"/>
+    <p:sldId id="267" r:id="rId9"/>
     <p:sldId id="269" r:id="rId10"/>
     <p:sldId id="275" r:id="rId11"/>
     <p:sldId id="274" r:id="rId12"/>
@@ -23,19 +23,20 @@
     <p:sldId id="271" r:id="rId14"/>
     <p:sldId id="282" r:id="rId15"/>
     <p:sldId id="270" r:id="rId16"/>
-    <p:sldId id="272" r:id="rId17"/>
-    <p:sldId id="283" r:id="rId18"/>
-    <p:sldId id="284" r:id="rId19"/>
-    <p:sldId id="285" r:id="rId20"/>
-    <p:sldId id="278" r:id="rId21"/>
-    <p:sldId id="273" r:id="rId22"/>
-    <p:sldId id="276" r:id="rId23"/>
-    <p:sldId id="279" r:id="rId24"/>
+    <p:sldId id="268" r:id="rId17"/>
+    <p:sldId id="272" r:id="rId18"/>
+    <p:sldId id="283" r:id="rId19"/>
+    <p:sldId id="284" r:id="rId20"/>
+    <p:sldId id="285" r:id="rId21"/>
+    <p:sldId id="278" r:id="rId22"/>
+    <p:sldId id="273" r:id="rId23"/>
+    <p:sldId id="276" r:id="rId24"/>
+    <p:sldId id="279" r:id="rId25"/>
   </p:sldIdLst>
   <p:sldSz cx="9144000" cy="6858000" type="screen4x3"/>
   <p:notesSz cx="6858000" cy="9144000"/>
   <p:custDataLst>
-    <p:tags r:id="rId26"/>
+    <p:tags r:id="rId27"/>
   </p:custDataLst>
   <p:defaultTextStyle>
     <a:defPPr>
@@ -1477,9 +1478,14 @@
   <p:clrMapOvr>
     <a:overrideClrMapping bg1="lt1" tx1="dk1" bg2="lt2" tx2="dk2" accent1="accent1" accent2="accent2" accent3="accent3" accent4="accent4" accent5="accent5" accent6="accent6" hlink="hlink" folHlink="folHlink"/>
   </p:clrMapOvr>
-  <p:transition spd="med" advClick="0" advTm="4000">
-    <p:dissolve/>
-  </p:transition>
+  <mc:AlternateContent xmlns:mc="http://schemas.openxmlformats.org/markup-compatibility/2006">
+    <mc:Choice xmlns:p14="http://schemas.microsoft.com/office/powerpoint/2010/main" Requires="p14">
+      <p:transition p14:dur="0" advClick="0" advTm="4000"/>
+    </mc:Choice>
+    <mc:Fallback>
+      <p:transition advClick="0" advTm="4000"/>
+    </mc:Fallback>
+  </mc:AlternateContent>
 </p:sldLayout>
 </file>
 
@@ -1645,9 +1651,14 @@
   <p:clrMapOvr>
     <a:masterClrMapping/>
   </p:clrMapOvr>
-  <p:transition spd="med" advClick="0" advTm="4000">
-    <p:dissolve/>
-  </p:transition>
+  <mc:AlternateContent xmlns:mc="http://schemas.openxmlformats.org/markup-compatibility/2006">
+    <mc:Choice xmlns:p14="http://schemas.microsoft.com/office/powerpoint/2010/main" Requires="p14">
+      <p:transition p14:dur="0" advClick="0" advTm="4000"/>
+    </mc:Choice>
+    <mc:Fallback>
+      <p:transition advClick="0" advTm="4000"/>
+    </mc:Fallback>
+  </mc:AlternateContent>
 </p:sldLayout>
 </file>
 
@@ -1823,9 +1834,14 @@
   <p:clrMapOvr>
     <a:masterClrMapping/>
   </p:clrMapOvr>
-  <p:transition spd="med" advClick="0" advTm="4000">
-    <p:dissolve/>
-  </p:transition>
+  <mc:AlternateContent xmlns:mc="http://schemas.openxmlformats.org/markup-compatibility/2006">
+    <mc:Choice xmlns:p14="http://schemas.microsoft.com/office/powerpoint/2010/main" Requires="p14">
+      <p:transition p14:dur="0" advClick="0" advTm="4000"/>
+    </mc:Choice>
+    <mc:Fallback>
+      <p:transition advClick="0" advTm="4000"/>
+    </mc:Fallback>
+  </mc:AlternateContent>
 </p:sldLayout>
 </file>
 
@@ -1996,9 +2012,14 @@
   <p:clrMapOvr>
     <a:masterClrMapping/>
   </p:clrMapOvr>
-  <p:transition spd="med" advClick="0" advTm="4000">
-    <p:dissolve/>
-  </p:transition>
+  <mc:AlternateContent xmlns:mc="http://schemas.openxmlformats.org/markup-compatibility/2006">
+    <mc:Choice xmlns:p14="http://schemas.microsoft.com/office/powerpoint/2010/main" Requires="p14">
+      <p:transition p14:dur="0" advClick="0" advTm="4000"/>
+    </mc:Choice>
+    <mc:Fallback>
+      <p:transition advClick="0" advTm="4000"/>
+    </mc:Fallback>
+  </mc:AlternateContent>
 </p:sldLayout>
 </file>
 
@@ -2910,9 +2931,14 @@
   <p:clrMapOvr>
     <a:overrideClrMapping bg1="dk1" tx1="lt1" bg2="dk2" tx2="lt2" accent1="accent1" accent2="accent2" accent3="accent3" accent4="accent4" accent5="accent5" accent6="accent6" hlink="hlink" folHlink="folHlink"/>
   </p:clrMapOvr>
-  <p:transition spd="med" advClick="0" advTm="4000">
-    <p:dissolve/>
-  </p:transition>
+  <mc:AlternateContent xmlns:mc="http://schemas.openxmlformats.org/markup-compatibility/2006">
+    <mc:Choice xmlns:p14="http://schemas.microsoft.com/office/powerpoint/2010/main" Requires="p14">
+      <p:transition p14:dur="0" advClick="0" advTm="4000"/>
+    </mc:Choice>
+    <mc:Fallback>
+      <p:transition advClick="0" advTm="4000"/>
+    </mc:Fallback>
+  </mc:AlternateContent>
 </p:sldLayout>
 </file>
 
@@ -3140,9 +3166,14 @@
   <p:clrMapOvr>
     <a:masterClrMapping/>
   </p:clrMapOvr>
-  <p:transition spd="med" advClick="0" advTm="4000">
-    <p:dissolve/>
-  </p:transition>
+  <mc:AlternateContent xmlns:mc="http://schemas.openxmlformats.org/markup-compatibility/2006">
+    <mc:Choice xmlns:p14="http://schemas.microsoft.com/office/powerpoint/2010/main" Requires="p14">
+      <p:transition p14:dur="0" advClick="0" advTm="4000"/>
+    </mc:Choice>
+    <mc:Fallback>
+      <p:transition advClick="0" advTm="4000"/>
+    </mc:Fallback>
+  </mc:AlternateContent>
 </p:sldLayout>
 </file>
 
@@ -3475,9 +3506,14 @@
   <p:clrMapOvr>
     <a:masterClrMapping/>
   </p:clrMapOvr>
-  <p:transition spd="med" advClick="0" advTm="4000">
-    <p:dissolve/>
-  </p:transition>
+  <mc:AlternateContent xmlns:mc="http://schemas.openxmlformats.org/markup-compatibility/2006">
+    <mc:Choice xmlns:p14="http://schemas.microsoft.com/office/powerpoint/2010/main" Requires="p14">
+      <p:transition p14:dur="0" advClick="0" advTm="4000"/>
+    </mc:Choice>
+    <mc:Fallback>
+      <p:transition advClick="0" advTm="4000"/>
+    </mc:Fallback>
+  </mc:AlternateContent>
 </p:sldLayout>
 </file>
 
@@ -3591,9 +3627,14 @@
   <p:clrMapOvr>
     <a:masterClrMapping/>
   </p:clrMapOvr>
-  <p:transition spd="med" advClick="0" advTm="4000">
-    <p:dissolve/>
-  </p:transition>
+  <mc:AlternateContent xmlns:mc="http://schemas.openxmlformats.org/markup-compatibility/2006">
+    <mc:Choice xmlns:p14="http://schemas.microsoft.com/office/powerpoint/2010/main" Requires="p14">
+      <p:transition p14:dur="0" advClick="0" advTm="4000"/>
+    </mc:Choice>
+    <mc:Fallback>
+      <p:transition advClick="0" advTm="4000"/>
+    </mc:Fallback>
+  </mc:AlternateContent>
 </p:sldLayout>
 </file>
 
@@ -3685,9 +3726,14 @@
   <p:clrMapOvr>
     <a:masterClrMapping/>
   </p:clrMapOvr>
-  <p:transition spd="med" advClick="0" advTm="4000">
-    <p:dissolve/>
-  </p:transition>
+  <mc:AlternateContent xmlns:mc="http://schemas.openxmlformats.org/markup-compatibility/2006">
+    <mc:Choice xmlns:p14="http://schemas.microsoft.com/office/powerpoint/2010/main" Requires="p14">
+      <p:transition p14:dur="0" advClick="0" advTm="4000"/>
+    </mc:Choice>
+    <mc:Fallback>
+      <p:transition advClick="0" advTm="4000"/>
+    </mc:Fallback>
+  </mc:AlternateContent>
 </p:sldLayout>
 </file>
 
@@ -4205,9 +4251,14 @@
   <p:clrMapOvr>
     <a:overrideClrMapping bg1="lt1" tx1="dk1" bg2="lt2" tx2="dk2" accent1="accent1" accent2="accent2" accent3="accent3" accent4="accent4" accent5="accent5" accent6="accent6" hlink="hlink" folHlink="folHlink"/>
   </p:clrMapOvr>
-  <p:transition spd="med" advClick="0" advTm="4000">
-    <p:dissolve/>
-  </p:transition>
+  <mc:AlternateContent xmlns:mc="http://schemas.openxmlformats.org/markup-compatibility/2006">
+    <mc:Choice xmlns:p14="http://schemas.microsoft.com/office/powerpoint/2010/main" Requires="p14">
+      <p:transition p14:dur="0" advClick="0" advTm="4000"/>
+    </mc:Choice>
+    <mc:Fallback>
+      <p:transition advClick="0" advTm="4000"/>
+    </mc:Fallback>
+  </mc:AlternateContent>
 </p:sldLayout>
 </file>
 
@@ -4719,9 +4770,14 @@
   <p:clrMapOvr>
     <a:masterClrMapping/>
   </p:clrMapOvr>
-  <p:transition spd="med" advClick="0" advTm="4000">
-    <p:dissolve/>
-  </p:transition>
+  <mc:AlternateContent xmlns:mc="http://schemas.openxmlformats.org/markup-compatibility/2006">
+    <mc:Choice xmlns:p14="http://schemas.microsoft.com/office/powerpoint/2010/main" Requires="p14">
+      <p:transition p14:dur="0" advClick="0" advTm="4000"/>
+    </mc:Choice>
+    <mc:Fallback>
+      <p:transition advClick="0" advTm="4000"/>
+    </mc:Fallback>
+  </mc:AlternateContent>
 </p:sldLayout>
 </file>
 
@@ -5211,11 +5267,7 @@
     <p:sldLayoutId id="2147483730" r:id="rId10"/>
     <p:sldLayoutId id="2147483731" r:id="rId11"/>
   </p:sldLayoutIdLst>
-  <p:transition spd="med">
-    <p:sndAc>
-      <p:endSnd/>
-    </p:sndAc>
-  </p:transition>
+  <p:transition spd="med"/>
   <p:hf sldNum="0" hdr="0" ftr="0" dt="0"/>
   <p:txStyles>
     <p:titleStyle>
@@ -5666,12 +5718,12 @@
   <p:clrMapOvr>
     <a:masterClrMapping/>
   </p:clrMapOvr>
-  <mc:AlternateContent xmlns:mc="http://schemas.openxmlformats.org/markup-compatibility/2006" xmlns:p14="http://schemas.microsoft.com/office/powerpoint/2010/main">
-    <mc:Choice Requires="p14">
-      <p:transition p14:dur="0" advClick="0" advTm="0"/>
+  <mc:AlternateContent xmlns:mc="http://schemas.openxmlformats.org/markup-compatibility/2006">
+    <mc:Choice xmlns:p14="http://schemas.microsoft.com/office/powerpoint/2010/main" Requires="p14">
+      <p:transition p14:dur="0" advTm="0"/>
     </mc:Choice>
-    <mc:Fallback xmlns="">
-      <p:transition advClick="0" advTm="0"/>
+    <mc:Fallback>
+      <p:transition advTm="0"/>
     </mc:Fallback>
   </mc:AlternateContent>
 </p:sld>
@@ -5782,12 +5834,12 @@
   <p:clrMapOvr>
     <a:masterClrMapping/>
   </p:clrMapOvr>
-  <mc:AlternateContent xmlns:mc="http://schemas.openxmlformats.org/markup-compatibility/2006" xmlns:p14="http://schemas.microsoft.com/office/powerpoint/2010/main">
-    <mc:Choice Requires="p14">
-      <p:transition p14:dur="0" advClick="0" advTm="4000"/>
+  <mc:AlternateContent xmlns:mc="http://schemas.openxmlformats.org/markup-compatibility/2006">
+    <mc:Choice xmlns:p14="http://schemas.microsoft.com/office/powerpoint/2010/main" Requires="p14">
+      <p:transition p14:dur="0" advTm="4000"/>
     </mc:Choice>
-    <mc:Fallback xmlns="">
-      <p:transition advClick="0" advTm="4000"/>
+    <mc:Fallback>
+      <p:transition advTm="4000"/>
     </mc:Fallback>
   </mc:AlternateContent>
 </p:sld>
@@ -6031,12 +6083,12 @@
   <p:clrMapOvr>
     <a:masterClrMapping/>
   </p:clrMapOvr>
-  <mc:AlternateContent xmlns:mc="http://schemas.openxmlformats.org/markup-compatibility/2006" xmlns:p14="http://schemas.microsoft.com/office/powerpoint/2010/main">
-    <mc:Choice Requires="p14">
-      <p:transition p14:dur="0" advClick="0" advTm="4000"/>
+  <mc:AlternateContent xmlns:mc="http://schemas.openxmlformats.org/markup-compatibility/2006">
+    <mc:Choice xmlns:p14="http://schemas.microsoft.com/office/powerpoint/2010/main" Requires="p14">
+      <p:transition p14:dur="0" advTm="4000"/>
     </mc:Choice>
-    <mc:Fallback xmlns="">
-      <p:transition advClick="0" advTm="4000"/>
+    <mc:Fallback>
+      <p:transition advTm="4000"/>
     </mc:Fallback>
   </mc:AlternateContent>
 </p:sld>
@@ -6109,12 +6161,12 @@
   <p:clrMapOvr>
     <a:masterClrMapping/>
   </p:clrMapOvr>
-  <mc:AlternateContent xmlns:mc="http://schemas.openxmlformats.org/markup-compatibility/2006" xmlns:p14="http://schemas.microsoft.com/office/powerpoint/2010/main">
-    <mc:Choice Requires="p14">
-      <p:transition p14:dur="0" advClick="0" advTm="4000"/>
+  <mc:AlternateContent xmlns:mc="http://schemas.openxmlformats.org/markup-compatibility/2006">
+    <mc:Choice xmlns:p14="http://schemas.microsoft.com/office/powerpoint/2010/main" Requires="p14">
+      <p:transition p14:dur="0" advTm="4000"/>
     </mc:Choice>
-    <mc:Fallback xmlns="">
-      <p:transition advClick="0" advTm="4000"/>
+    <mc:Fallback>
+      <p:transition advTm="4000"/>
     </mc:Fallback>
   </mc:AlternateContent>
 </p:sld>
@@ -6250,12 +6302,12 @@
   <p:clrMapOvr>
     <a:masterClrMapping/>
   </p:clrMapOvr>
-  <mc:AlternateContent xmlns:mc="http://schemas.openxmlformats.org/markup-compatibility/2006" xmlns:p14="http://schemas.microsoft.com/office/powerpoint/2010/main">
-    <mc:Choice Requires="p14">
-      <p:transition p14:dur="0" advClick="0" advTm="4000"/>
+  <mc:AlternateContent xmlns:mc="http://schemas.openxmlformats.org/markup-compatibility/2006">
+    <mc:Choice xmlns:p14="http://schemas.microsoft.com/office/powerpoint/2010/main" Requires="p14">
+      <p:transition p14:dur="0" advTm="4000"/>
     </mc:Choice>
-    <mc:Fallback xmlns="">
-      <p:transition advClick="0" advTm="4000"/>
+    <mc:Fallback>
+      <p:transition advTm="4000"/>
     </mc:Fallback>
   </mc:AlternateContent>
 </p:sld>
@@ -6308,11 +6360,71 @@
         </p:blipFill>
         <p:spPr>
           <a:xfrm>
-            <a:off x="533400" y="1143000"/>
+            <a:off x="533400" y="228600"/>
             <a:ext cx="7467600" cy="3947160"/>
           </a:xfrm>
         </p:spPr>
       </p:pic>
+      <p:sp>
+        <p:nvSpPr>
+          <p:cNvPr id="5" name="TextBox 4">
+            <a:extLst>
+              <a:ext uri="{FF2B5EF4-FFF2-40B4-BE49-F238E27FC236}">
+                <a16:creationId xmlns:a16="http://schemas.microsoft.com/office/drawing/2014/main" id="{397C8A31-4477-333A-9295-A2B1FDBB378F}"/>
+              </a:ext>
+            </a:extLst>
+          </p:cNvPr>
+          <p:cNvSpPr txBox="1"/>
+          <p:nvPr/>
+        </p:nvSpPr>
+        <p:spPr>
+          <a:xfrm>
+            <a:off x="1143000" y="4267200"/>
+            <a:ext cx="6553200" cy="2308324"/>
+          </a:xfrm>
+          <a:prstGeom prst="rect">
+            <a:avLst/>
+          </a:prstGeom>
+          <a:noFill/>
+        </p:spPr>
+        <p:txBody>
+          <a:bodyPr wrap="square">
+            <a:spAutoFit/>
+          </a:bodyPr>
+          <a:lstStyle/>
+          <a:p>
+            <a:r>
+              <a:rPr lang="en-US" b="0" i="0" dirty="0">
+                <a:effectLst/>
+                <a:latin typeface="urw-din"/>
+              </a:rPr>
+              <a:t>When an object is created, its mark bit is set to 0(false). In the Mark phase, we set the marked bit for all the reachable objects (or the objects which a user can refer to) to 1(true). Now to perform this operation we simply need to do a graph traversal, a </a:t>
+            </a:r>
+            <a:r>
+              <a:rPr lang="en-US" b="0" i="0" u="sng" dirty="0">
+                <a:effectLst/>
+                <a:latin typeface="urw-din"/>
+                <a:hlinkClick r:id="rId3">
+                  <a:extLst>
+                    <a:ext uri="{A12FA001-AC4F-418D-AE19-62706E023703}">
+                      <ahyp:hlinkClr xmlns:ahyp="http://schemas.microsoft.com/office/drawing/2018/hyperlinkcolor" val="tx"/>
+                    </a:ext>
+                  </a:extLst>
+                </a:hlinkClick>
+              </a:rPr>
+              <a:t>depth-first search approach</a:t>
+            </a:r>
+            <a:r>
+              <a:rPr lang="en-US" b="0" i="0" dirty="0">
+                <a:effectLst/>
+                <a:latin typeface="urw-din"/>
+              </a:rPr>
+              <a:t> would work for us. Here we can consider every object as a node and then all the nodes (objects) that are reachable from this node (object) are visited and it goes on till we have visited all the reachable nodes.</a:t>
+            </a:r>
+            <a:endParaRPr lang="en-IL" dirty="0"/>
+          </a:p>
+        </p:txBody>
+      </p:sp>
     </p:spTree>
     <p:extLst>
       <p:ext uri="{BB962C8B-B14F-4D97-AF65-F5344CB8AC3E}">
@@ -6323,12 +6435,12 @@
   <p:clrMapOvr>
     <a:masterClrMapping/>
   </p:clrMapOvr>
-  <mc:AlternateContent xmlns:mc="http://schemas.openxmlformats.org/markup-compatibility/2006" xmlns:p14="http://schemas.microsoft.com/office/powerpoint/2010/main">
-    <mc:Choice Requires="p14">
-      <p:transition p14:dur="0" advClick="0" advTm="4000"/>
+  <mc:AlternateContent xmlns:mc="http://schemas.openxmlformats.org/markup-compatibility/2006">
+    <mc:Choice xmlns:p14="http://schemas.microsoft.com/office/powerpoint/2010/main" Requires="p14">
+      <p:transition p14:dur="0" advTm="4000"/>
     </mc:Choice>
-    <mc:Fallback xmlns="">
-      <p:transition advClick="0" advTm="4000"/>
+    <mc:Fallback>
+      <p:transition advTm="4000"/>
     </mc:Fallback>
   </mc:AlternateContent>
 </p:sld>
@@ -6424,12 +6536,12 @@
   <p:clrMapOvr>
     <a:masterClrMapping/>
   </p:clrMapOvr>
-  <mc:AlternateContent xmlns:mc="http://schemas.openxmlformats.org/markup-compatibility/2006" xmlns:p14="http://schemas.microsoft.com/office/powerpoint/2010/main">
-    <mc:Choice Requires="p14">
-      <p:transition p14:dur="0" advClick="0" advTm="4000"/>
+  <mc:AlternateContent xmlns:mc="http://schemas.openxmlformats.org/markup-compatibility/2006">
+    <mc:Choice xmlns:p14="http://schemas.microsoft.com/office/powerpoint/2010/main" Requires="p14">
+      <p:transition p14:dur="0" advTm="4000"/>
     </mc:Choice>
-    <mc:Fallback xmlns="">
-      <p:transition advClick="0" advTm="4000"/>
+    <mc:Fallback>
+      <p:transition advTm="4000"/>
     </mc:Fallback>
   </mc:AlternateContent>
 </p:sld>
@@ -6457,7 +6569,7 @@
           <p:cNvPr id="2" name="Title 1">
             <a:extLst>
               <a:ext uri="{FF2B5EF4-FFF2-40B4-BE49-F238E27FC236}">
-                <a16:creationId xmlns:a16="http://schemas.microsoft.com/office/drawing/2014/main" id="{88601C36-64B1-03F1-B4D2-2F2FE8C17C8D}"/>
+                <a16:creationId xmlns:a16="http://schemas.microsoft.com/office/drawing/2014/main" id="{5C772948-486D-471A-2022-7A5D70B9E9A5}"/>
               </a:ext>
             </a:extLst>
           </p:cNvPr>
@@ -6468,236 +6580,222 @@
             <p:ph type="title"/>
           </p:nvPr>
         </p:nvSpPr>
-        <p:spPr>
-          <a:xfrm>
-            <a:off x="457200" y="325620"/>
-            <a:ext cx="7467600" cy="884238"/>
-          </a:xfrm>
-        </p:spPr>
+        <p:spPr/>
+        <p:txBody>
+          <a:bodyPr/>
+          <a:lstStyle/>
+          <a:p>
+            <a:r>
+              <a:rPr lang="en-IL" dirty="0"/>
+              <a:t>NodeJS world Term</a:t>
+            </a:r>
+          </a:p>
+        </p:txBody>
+      </p:sp>
+      <p:sp>
+        <p:nvSpPr>
+          <p:cNvPr id="3" name="Content Placeholder 2">
+            <a:extLst>
+              <a:ext uri="{FF2B5EF4-FFF2-40B4-BE49-F238E27FC236}">
+                <a16:creationId xmlns:a16="http://schemas.microsoft.com/office/drawing/2014/main" id="{04466C6C-40E1-8F52-4EDB-EBA40117CF1D}"/>
+              </a:ext>
+            </a:extLst>
+          </p:cNvPr>
+          <p:cNvSpPr>
+            <a:spLocks noGrp="1"/>
+          </p:cNvSpPr>
+          <p:nvPr>
+            <p:ph sz="quarter" idx="1"/>
+          </p:nvPr>
+        </p:nvSpPr>
+        <p:spPr/>
         <p:txBody>
           <a:bodyPr>
-            <a:normAutofit/>
+            <a:normAutofit lnSpcReduction="10000"/>
           </a:bodyPr>
           <a:lstStyle/>
           <a:p>
             <a:r>
               <a:rPr lang="en-US" b="1" i="0" dirty="0">
+                <a:effectLst/>
+                <a:latin typeface="Andale Mono" panose="020B0509000000000004" pitchFamily="49" charset="0"/>
+              </a:rPr>
+              <a:t>--</a:t>
+            </a:r>
+            <a:r>
+              <a:rPr lang="en-US" b="1" i="0" dirty="0" err="1">
+                <a:effectLst/>
+                <a:latin typeface="Andale Mono" panose="020B0509000000000004" pitchFamily="49" charset="0"/>
+              </a:rPr>
+              <a:t>max_old_space_size</a:t>
+            </a:r>
+            <a:endParaRPr lang="en-US" b="1" i="0" dirty="0">
+              <a:effectLst/>
+              <a:latin typeface="Andale Mono" panose="020B0509000000000004" pitchFamily="49" charset="0"/>
+            </a:endParaRPr>
+          </a:p>
+          <a:p>
+            <a:pPr algn="l"/>
+            <a:r>
+              <a:rPr lang="en-US" b="0" i="0" dirty="0">
+                <a:effectLst/>
+                <a:latin typeface="Andale Mono" panose="020B0509000000000004" pitchFamily="49" charset="0"/>
+              </a:rPr>
+              <a:t>Sets the max memory size of V8's old memory section. As memory consumption approaches the limit, V8 will spend more time on garbage collection in an effort to free unused memory.</a:t>
+            </a:r>
+          </a:p>
+          <a:p>
+            <a:pPr marL="0" indent="0" algn="l">
+              <a:buNone/>
+            </a:pPr>
+            <a:r>
+              <a:rPr lang="en-US" dirty="0">
+                <a:latin typeface="Andale Mono" panose="020B0509000000000004" pitchFamily="49" charset="0"/>
+              </a:rPr>
+              <a:t>	</a:t>
+            </a:r>
+            <a:r>
+              <a:rPr lang="en-US" dirty="0" err="1">
+                <a:latin typeface="Andale Mono" panose="020B0509000000000004" pitchFamily="49" charset="0"/>
+              </a:rPr>
+              <a:t>Note:We</a:t>
+            </a:r>
+            <a:r>
+              <a:rPr lang="en-US" dirty="0">
+                <a:latin typeface="Andale Mono" panose="020B0509000000000004" pitchFamily="49" charset="0"/>
+              </a:rPr>
+              <a:t> use 5G on </a:t>
+            </a:r>
+            <a:r>
+              <a:rPr lang="en-US" dirty="0" err="1">
+                <a:latin typeface="Andale Mono" panose="020B0509000000000004" pitchFamily="49" charset="0"/>
+              </a:rPr>
+              <a:t>prud</a:t>
+            </a:r>
+            <a:r>
+              <a:rPr lang="en-US" dirty="0">
+                <a:latin typeface="Andale Mono" panose="020B0509000000000004" pitchFamily="49" charset="0"/>
+              </a:rPr>
+              <a:t> servers</a:t>
+            </a:r>
+            <a:endParaRPr lang="en-US" b="0" i="0" dirty="0">
+              <a:effectLst/>
+              <a:latin typeface="Andale Mono" panose="020B0509000000000004" pitchFamily="49" charset="0"/>
+            </a:endParaRPr>
+          </a:p>
+          <a:p>
+            <a:pPr algn="l"/>
+            <a:endParaRPr lang="en-US" b="0" i="0" dirty="0">
+              <a:effectLst/>
+              <a:latin typeface="Andale Mono" panose="020B0509000000000004" pitchFamily="49" charset="0"/>
+            </a:endParaRPr>
+          </a:p>
+          <a:p>
+            <a:r>
+              <a:rPr lang="en-US" b="1" i="0" dirty="0">
+                <a:effectLst/>
+                <a:latin typeface="Andale Mono" panose="020B0509000000000004" pitchFamily="49" charset="0"/>
+              </a:rPr>
+              <a:t>--max-semi-space-size</a:t>
+            </a:r>
+          </a:p>
+          <a:p>
+            <a:pPr marL="0" indent="0">
+              <a:buNone/>
+            </a:pPr>
+            <a:r>
+              <a:rPr lang="en-US" b="0" i="0" dirty="0" err="1">
+                <a:effectLst/>
+                <a:latin typeface="Andale Mono" panose="020B0509000000000004" pitchFamily="49" charset="0"/>
+              </a:rPr>
+              <a:t>ets</a:t>
+            </a:r>
+            <a:r>
+              <a:rPr lang="en-US" b="0" i="0" dirty="0">
+                <a:effectLst/>
+                <a:latin typeface="Andale Mono" panose="020B0509000000000004" pitchFamily="49" charset="0"/>
+              </a:rPr>
+              <a:t> the maximum </a:t>
+            </a:r>
+            <a:r>
+              <a:rPr lang="en-US" b="0" i="0" u="none" strike="noStrike" dirty="0">
+                <a:effectLst/>
+                <a:latin typeface="Andale Mono" panose="020B0509000000000004" pitchFamily="49" charset="0"/>
+                <a:hlinkClick r:id="rId2">
+                  <a:extLst>
+                    <a:ext uri="{A12FA001-AC4F-418D-AE19-62706E023703}">
+                      <ahyp:hlinkClr xmlns:ahyp="http://schemas.microsoft.com/office/drawing/2018/hyperlinkcolor" val="tx"/>
+                    </a:ext>
+                  </a:extLst>
+                </a:hlinkClick>
+              </a:rPr>
+              <a:t>semi-space</a:t>
+            </a:r>
+            <a:r>
+              <a:rPr lang="en-US" b="0" i="0" dirty="0">
+                <a:effectLst/>
+                <a:latin typeface="Andale Mono" panose="020B0509000000000004" pitchFamily="49" charset="0"/>
+              </a:rPr>
+              <a:t> size for V8's </a:t>
+            </a:r>
+            <a:r>
+              <a:rPr lang="en-US" b="0" i="0" u="none" strike="noStrike" dirty="0">
+                <a:effectLst/>
+                <a:latin typeface="Andale Mono" panose="020B0509000000000004" pitchFamily="49" charset="0"/>
+                <a:hlinkClick r:id="rId3">
+                  <a:extLst>
+                    <a:ext uri="{A12FA001-AC4F-418D-AE19-62706E023703}">
+                      <ahyp:hlinkClr xmlns:ahyp="http://schemas.microsoft.com/office/drawing/2018/hyperlinkcolor" val="tx"/>
+                    </a:ext>
+                  </a:extLst>
+                </a:hlinkClick>
+              </a:rPr>
+              <a:t>scavenge garbage collector</a:t>
+            </a:r>
+            <a:r>
+              <a:rPr lang="en-US" b="0" i="0" dirty="0">
+                <a:effectLst/>
+                <a:latin typeface="Andale Mono" panose="020B0509000000000004" pitchFamily="49" charset="0"/>
+              </a:rPr>
+              <a:t> in MiB </a:t>
+            </a:r>
+            <a:r>
+              <a:rPr lang="en-US" b="0" i="0" dirty="0">
                 <a:solidFill>
-                  <a:srgbClr val="404040"/>
+                  <a:srgbClr val="FFFFFF"/>
                 </a:solidFill>
                 <a:effectLst/>
                 <a:latin typeface="Andale Mono" panose="020B0509000000000004" pitchFamily="49" charset="0"/>
               </a:rPr>
-              <a:t>Node memory </a:t>
-            </a:r>
-            <a:r>
-              <a:rPr lang="en-US" b="1" i="0" dirty="0" err="1">
-                <a:solidFill>
-                  <a:srgbClr val="404040"/>
-                </a:solidFill>
-                <a:effectLst/>
+              <a:t>(megabytes)</a:t>
+            </a:r>
+            <a:br>
+              <a:rPr lang="en-US" dirty="0">
                 <a:latin typeface="Andale Mono" panose="020B0509000000000004" pitchFamily="49" charset="0"/>
               </a:rPr>
-              <a:t>managment</a:t>
-            </a:r>
+            </a:br>
             <a:endParaRPr lang="en-IL" dirty="0">
               <a:latin typeface="Andale Mono" panose="020B0509000000000004" pitchFamily="49" charset="0"/>
             </a:endParaRPr>
           </a:p>
         </p:txBody>
       </p:sp>
-      <p:pic>
-        <p:nvPicPr>
-          <p:cNvPr id="7" name="Content Placeholder 6">
-            <a:extLst>
-              <a:ext uri="{FF2B5EF4-FFF2-40B4-BE49-F238E27FC236}">
-                <a16:creationId xmlns:a16="http://schemas.microsoft.com/office/drawing/2014/main" id="{BB1DD1B2-92AD-8069-DC59-47E7C7086F8C}"/>
-              </a:ext>
-            </a:extLst>
-          </p:cNvPr>
-          <p:cNvPicPr>
-            <a:picLocks noGrp="1" noChangeAspect="1"/>
-          </p:cNvPicPr>
-          <p:nvPr>
-            <p:ph sz="quarter" idx="1"/>
-          </p:nvPr>
-        </p:nvPicPr>
-        <p:blipFill>
-          <a:blip r:embed="rId2">
-            <a:extLst>
-              <a:ext uri="{28A0092B-C50C-407E-A947-70E740481C1C}">
-                <a14:useLocalDpi xmlns:a14="http://schemas.microsoft.com/office/drawing/2010/main" val="0"/>
-              </a:ext>
-            </a:extLst>
-          </a:blip>
-          <a:stretch>
-            <a:fillRect/>
-          </a:stretch>
-        </p:blipFill>
-        <p:spPr>
-          <a:xfrm>
-            <a:off x="457200" y="1219201"/>
-            <a:ext cx="7467600" cy="3124200"/>
-          </a:xfrm>
-        </p:spPr>
-      </p:pic>
-      <p:sp>
-        <p:nvSpPr>
-          <p:cNvPr id="8" name="TextBox 7">
-            <a:extLst>
-              <a:ext uri="{FF2B5EF4-FFF2-40B4-BE49-F238E27FC236}">
-                <a16:creationId xmlns:a16="http://schemas.microsoft.com/office/drawing/2014/main" id="{B8053A12-4940-5AAA-BC70-A9DA65EAFE76}"/>
-              </a:ext>
-            </a:extLst>
-          </p:cNvPr>
-          <p:cNvSpPr txBox="1"/>
-          <p:nvPr/>
-        </p:nvSpPr>
-        <p:spPr>
-          <a:xfrm>
-            <a:off x="609600" y="4730877"/>
-            <a:ext cx="8001000" cy="1600438"/>
-          </a:xfrm>
-          <a:prstGeom prst="rect">
-            <a:avLst/>
-          </a:prstGeom>
-          <a:noFill/>
-        </p:spPr>
-        <p:txBody>
-          <a:bodyPr wrap="square" rtlCol="0">
-            <a:spAutoFit/>
-          </a:bodyPr>
-          <a:lstStyle/>
-          <a:p>
-            <a:pPr algn="l"/>
-            <a:r>
-              <a:rPr lang="en-US" sz="1400" b="0" i="0" dirty="0">
-                <a:solidFill>
-                  <a:srgbClr val="171717"/>
-                </a:solidFill>
-                <a:effectLst/>
-                <a:latin typeface="Andale Mono" panose="020B0509000000000004" pitchFamily="49" charset="0"/>
-              </a:rPr>
-              <a:t>The heap has two main segments: the </a:t>
-            </a:r>
-            <a:r>
-              <a:rPr lang="en-US" sz="1400" b="0" i="1" dirty="0">
-                <a:solidFill>
-                  <a:srgbClr val="171717"/>
-                </a:solidFill>
-                <a:effectLst/>
-                <a:latin typeface="Andale Mono" panose="020B0509000000000004" pitchFamily="49" charset="0"/>
-              </a:rPr>
-              <a:t>new space</a:t>
-            </a:r>
-            <a:r>
-              <a:rPr lang="en-US" sz="1400" b="0" i="0" dirty="0">
-                <a:solidFill>
-                  <a:srgbClr val="171717"/>
-                </a:solidFill>
-                <a:effectLst/>
-                <a:latin typeface="Andale Mono" panose="020B0509000000000004" pitchFamily="49" charset="0"/>
-              </a:rPr>
-              <a:t> and the </a:t>
-            </a:r>
-            <a:r>
-              <a:rPr lang="en-US" sz="1400" b="0" i="1" dirty="0">
-                <a:solidFill>
-                  <a:srgbClr val="171717"/>
-                </a:solidFill>
-                <a:effectLst/>
-                <a:latin typeface="Andale Mono" panose="020B0509000000000004" pitchFamily="49" charset="0"/>
-              </a:rPr>
-              <a:t>old space</a:t>
-            </a:r>
-            <a:r>
-              <a:rPr lang="en-US" sz="1400" b="0" i="0" dirty="0">
-                <a:solidFill>
-                  <a:srgbClr val="171717"/>
-                </a:solidFill>
-                <a:effectLst/>
-                <a:latin typeface="Andale Mono" panose="020B0509000000000004" pitchFamily="49" charset="0"/>
-              </a:rPr>
-              <a:t>. The new space is where allocations are actively happening; </a:t>
-            </a:r>
-          </a:p>
-          <a:p>
-            <a:r>
-              <a:rPr lang="en-US" sz="1400" b="0" i="0" dirty="0">
-                <a:solidFill>
-                  <a:srgbClr val="171717"/>
-                </a:solidFill>
-                <a:effectLst/>
-                <a:latin typeface="Andale Mono" panose="020B0509000000000004" pitchFamily="49" charset="0"/>
-              </a:rPr>
-              <a:t>this is the fastest place where we could collect garbage, the new space is about 1 to 8 MBs. (</a:t>
-            </a:r>
-            <a:r>
-              <a:rPr lang="en-US" sz="1400" b="1" i="0" dirty="0">
-                <a:effectLst/>
-                <a:latin typeface="Andale Mono" panose="020B0509000000000004" pitchFamily="49" charset="0"/>
-              </a:rPr>
-              <a:t>--max-semi-space-size</a:t>
-            </a:r>
-            <a:r>
-              <a:rPr lang="en-US" sz="1400" b="0" i="0" dirty="0">
-                <a:solidFill>
-                  <a:srgbClr val="171717"/>
-                </a:solidFill>
-                <a:effectLst/>
-                <a:latin typeface="Andale Mono" panose="020B0509000000000004" pitchFamily="49" charset="0"/>
-              </a:rPr>
-              <a:t>) All objects in the new space are called the </a:t>
-            </a:r>
-            <a:r>
-              <a:rPr lang="en-US" sz="1400" b="1" i="0" dirty="0">
-                <a:solidFill>
-                  <a:srgbClr val="171717"/>
-                </a:solidFill>
-                <a:effectLst/>
-                <a:latin typeface="Andale Mono" panose="020B0509000000000004" pitchFamily="49" charset="0"/>
-              </a:rPr>
-              <a:t>young generation</a:t>
-            </a:r>
-            <a:r>
-              <a:rPr lang="en-US" sz="1400" b="0" i="0" dirty="0">
-                <a:solidFill>
-                  <a:srgbClr val="171717"/>
-                </a:solidFill>
-                <a:effectLst/>
-                <a:latin typeface="Andale Mono" panose="020B0509000000000004" pitchFamily="49" charset="0"/>
-              </a:rPr>
-              <a:t>.</a:t>
-            </a:r>
-          </a:p>
-          <a:p>
-            <a:br>
-              <a:rPr lang="en-US" sz="1400" dirty="0">
-                <a:latin typeface="Andale Mono" panose="020B0509000000000004" pitchFamily="49" charset="0"/>
-              </a:rPr>
-            </a:br>
-            <a:endParaRPr lang="en-IL" sz="1400" dirty="0">
-              <a:latin typeface="Andale Mono" panose="020B0509000000000004" pitchFamily="49" charset="0"/>
-            </a:endParaRPr>
-          </a:p>
-        </p:txBody>
-      </p:sp>
     </p:spTree>
     <p:extLst>
       <p:ext uri="{BB962C8B-B14F-4D97-AF65-F5344CB8AC3E}">
-        <p14:creationId xmlns:p14="http://schemas.microsoft.com/office/powerpoint/2010/main" val="1925320285"/>
+        <p14:creationId xmlns:p14="http://schemas.microsoft.com/office/powerpoint/2010/main" val="1847808850"/>
       </p:ext>
     </p:extLst>
   </p:cSld>
   <p:clrMapOvr>
     <a:masterClrMapping/>
   </p:clrMapOvr>
-  <mc:AlternateContent xmlns:mc="http://schemas.openxmlformats.org/markup-compatibility/2006" xmlns:p14="http://schemas.microsoft.com/office/powerpoint/2010/main">
-    <mc:Choice Requires="p14">
-      <p:transition p14:dur="0" advClick="0" advTm="4000"/>
+  <mc:AlternateContent xmlns:mc="http://schemas.openxmlformats.org/markup-compatibility/2006">
+    <mc:Choice xmlns:p14="http://schemas.microsoft.com/office/powerpoint/2010/main" Requires="p14">
+      <p:transition p14:dur="0" advTm="4000"/>
     </mc:Choice>
-    <mc:Fallback xmlns="">
-      <p:transition advClick="0" advTm="4000"/>
+    <mc:Fallback>
+      <p:transition advTm="4000"/>
     </mc:Fallback>
   </mc:AlternateContent>
 </p:sld>
@@ -6738,7 +6836,7 @@
         </p:nvSpPr>
         <p:spPr>
           <a:xfrm>
-            <a:off x="609600" y="222730"/>
+            <a:off x="457200" y="325620"/>
             <a:ext cx="7467600" cy="884238"/>
           </a:xfrm>
         </p:spPr>
@@ -6749,16 +6847,18 @@
           <a:lstStyle/>
           <a:p>
             <a:r>
-              <a:rPr lang="en-US" sz="3200" b="0" i="0" dirty="0">
+              <a:rPr lang="en-US" b="1" i="0" dirty="0">
                 <a:solidFill>
-                  <a:srgbClr val="000000"/>
+                  <a:srgbClr val="404040"/>
                 </a:solidFill>
                 <a:effectLst/>
                 <a:latin typeface="Andale Mono" panose="020B0509000000000004" pitchFamily="49" charset="0"/>
               </a:rPr>
-              <a:t>The Generational Hypothesis</a:t>
-            </a:r>
-            <a:endParaRPr lang="en-IL" dirty="0"/>
+              <a:t>Node memory management</a:t>
+            </a:r>
+            <a:endParaRPr lang="en-IL" dirty="0">
+              <a:latin typeface="Andale Mono" panose="020B0509000000000004" pitchFamily="49" charset="0"/>
+            </a:endParaRPr>
           </a:p>
         </p:txBody>
       </p:sp>
@@ -6799,10 +6899,10 @@
       </p:pic>
       <p:sp>
         <p:nvSpPr>
-          <p:cNvPr id="3" name="TextBox 2">
+          <p:cNvPr id="8" name="TextBox 7">
             <a:extLst>
               <a:ext uri="{FF2B5EF4-FFF2-40B4-BE49-F238E27FC236}">
-                <a16:creationId xmlns:a16="http://schemas.microsoft.com/office/drawing/2014/main" id="{2DBD1185-783A-D981-45EC-D42D7D0FD1B6}"/>
+                <a16:creationId xmlns:a16="http://schemas.microsoft.com/office/drawing/2014/main" id="{B8053A12-4940-5AAA-BC70-A9DA65EAFE76}"/>
               </a:ext>
             </a:extLst>
           </p:cNvPr>
@@ -6811,8 +6911,8 @@
         </p:nvSpPr>
         <p:spPr>
           <a:xfrm>
-            <a:off x="838200" y="4567868"/>
-            <a:ext cx="6477000" cy="1384995"/>
+            <a:off x="609600" y="4730877"/>
+            <a:ext cx="8001000" cy="1600438"/>
           </a:xfrm>
           <a:prstGeom prst="rect">
             <a:avLst/>
@@ -6825,16 +6925,113 @@
           </a:bodyPr>
           <a:lstStyle/>
           <a:p>
+            <a:pPr algn="l"/>
             <a:r>
               <a:rPr lang="en-US" sz="1400" b="0" i="0" dirty="0">
                 <a:solidFill>
-                  <a:srgbClr val="000000"/>
+                  <a:srgbClr val="171717"/>
                 </a:solidFill>
                 <a:effectLst/>
                 <a:latin typeface="Andale Mono" panose="020B0509000000000004" pitchFamily="49" charset="0"/>
               </a:rPr>
-              <a:t>in garbage collection there is an important term: “The Generational Hypothesis”. This basically states that most objects die young. In other words, most objects are allocated and then almost immediately become unreachable, from the perspective of the GC. This holds not only for V8 or JavaScript, but for most dynamic languages.</a:t>
-            </a:r>
+              <a:t>The heap has two main segments: the </a:t>
+            </a:r>
+            <a:r>
+              <a:rPr lang="en-US" sz="1400" b="0" i="1" dirty="0">
+                <a:solidFill>
+                  <a:srgbClr val="171717"/>
+                </a:solidFill>
+                <a:effectLst/>
+                <a:latin typeface="Andale Mono" panose="020B0509000000000004" pitchFamily="49" charset="0"/>
+              </a:rPr>
+              <a:t>new space</a:t>
+            </a:r>
+            <a:r>
+              <a:rPr lang="en-US" sz="1400" b="0" i="0" dirty="0">
+                <a:solidFill>
+                  <a:srgbClr val="171717"/>
+                </a:solidFill>
+                <a:effectLst/>
+                <a:latin typeface="Andale Mono" panose="020B0509000000000004" pitchFamily="49" charset="0"/>
+              </a:rPr>
+              <a:t> and the </a:t>
+            </a:r>
+            <a:r>
+              <a:rPr lang="en-US" sz="1400" b="0" i="1" dirty="0">
+                <a:solidFill>
+                  <a:srgbClr val="171717"/>
+                </a:solidFill>
+                <a:effectLst/>
+                <a:latin typeface="Andale Mono" panose="020B0509000000000004" pitchFamily="49" charset="0"/>
+              </a:rPr>
+              <a:t>old space</a:t>
+            </a:r>
+            <a:r>
+              <a:rPr lang="en-US" sz="1400" b="0" i="0" dirty="0">
+                <a:solidFill>
+                  <a:srgbClr val="171717"/>
+                </a:solidFill>
+                <a:effectLst/>
+                <a:latin typeface="Andale Mono" panose="020B0509000000000004" pitchFamily="49" charset="0"/>
+              </a:rPr>
+              <a:t>. The new space is where allocations are actively happening; </a:t>
+            </a:r>
+          </a:p>
+          <a:p>
+            <a:r>
+              <a:rPr lang="en-US" sz="1400" b="0" i="0" dirty="0">
+                <a:solidFill>
+                  <a:srgbClr val="171717"/>
+                </a:solidFill>
+                <a:effectLst/>
+                <a:latin typeface="Andale Mono" panose="020B0509000000000004" pitchFamily="49" charset="0"/>
+              </a:rPr>
+              <a:t>this is the fastest place where we could collect garbage, the new space is about 1 to 8 MBs. (</a:t>
+            </a:r>
+            <a:r>
+              <a:rPr lang="en-US" sz="1400" b="1" i="0" dirty="0">
+                <a:effectLst/>
+                <a:latin typeface="Andale Mono" panose="020B0509000000000004" pitchFamily="49" charset="0"/>
+              </a:rPr>
+              <a:t>--max-semi-space-size</a:t>
+            </a:r>
+            <a:r>
+              <a:rPr lang="en-US" sz="1400" b="0" i="0" dirty="0">
+                <a:solidFill>
+                  <a:srgbClr val="171717"/>
+                </a:solidFill>
+                <a:effectLst/>
+                <a:latin typeface="Andale Mono" panose="020B0509000000000004" pitchFamily="49" charset="0"/>
+              </a:rPr>
+              <a:t>) All objects in the new space are called the </a:t>
+            </a:r>
+            <a:r>
+              <a:rPr lang="en-US" sz="1400" b="1" i="0" dirty="0">
+                <a:solidFill>
+                  <a:srgbClr val="171717"/>
+                </a:solidFill>
+                <a:effectLst/>
+                <a:latin typeface="Andale Mono" panose="020B0509000000000004" pitchFamily="49" charset="0"/>
+              </a:rPr>
+              <a:t>young generation</a:t>
+            </a:r>
+            <a:r>
+              <a:rPr lang="en-US" sz="1400" b="0" i="0" dirty="0">
+                <a:solidFill>
+                  <a:srgbClr val="171717"/>
+                </a:solidFill>
+                <a:effectLst/>
+                <a:latin typeface="Andale Mono" panose="020B0509000000000004" pitchFamily="49" charset="0"/>
+              </a:rPr>
+              <a:t>.</a:t>
+            </a:r>
+          </a:p>
+          <a:p>
+            <a:br>
+              <a:rPr lang="en-US" sz="1400" dirty="0">
+                <a:latin typeface="Andale Mono" panose="020B0509000000000004" pitchFamily="49" charset="0"/>
+              </a:rPr>
+            </a:br>
             <a:endParaRPr lang="en-IL" sz="1400" dirty="0">
               <a:latin typeface="Andale Mono" panose="020B0509000000000004" pitchFamily="49" charset="0"/>
             </a:endParaRPr>
@@ -6844,19 +7041,19 @@
     </p:spTree>
     <p:extLst>
       <p:ext uri="{BB962C8B-B14F-4D97-AF65-F5344CB8AC3E}">
-        <p14:creationId xmlns:p14="http://schemas.microsoft.com/office/powerpoint/2010/main" val="1160894276"/>
+        <p14:creationId xmlns:p14="http://schemas.microsoft.com/office/powerpoint/2010/main" val="1925320285"/>
       </p:ext>
     </p:extLst>
   </p:cSld>
   <p:clrMapOvr>
     <a:masterClrMapping/>
   </p:clrMapOvr>
-  <mc:AlternateContent xmlns:mc="http://schemas.openxmlformats.org/markup-compatibility/2006" xmlns:p14="http://schemas.microsoft.com/office/powerpoint/2010/main">
-    <mc:Choice Requires="p14">
-      <p:transition p14:dur="0" advClick="0" advTm="4000"/>
+  <mc:AlternateContent xmlns:mc="http://schemas.openxmlformats.org/markup-compatibility/2006">
+    <mc:Choice xmlns:p14="http://schemas.microsoft.com/office/powerpoint/2010/main" Requires="p14">
+      <p:transition p14:dur="0" advTm="4000"/>
     </mc:Choice>
-    <mc:Fallback xmlns="">
-      <p:transition advClick="0" advTm="4000"/>
+    <mc:Fallback>
+      <p:transition advTm="4000"/>
     </mc:Fallback>
   </mc:AlternateContent>
 </p:sld>
@@ -7003,19 +7200,19 @@
     </p:spTree>
     <p:extLst>
       <p:ext uri="{BB962C8B-B14F-4D97-AF65-F5344CB8AC3E}">
-        <p14:creationId xmlns:p14="http://schemas.microsoft.com/office/powerpoint/2010/main" val="369539308"/>
+        <p14:creationId xmlns:p14="http://schemas.microsoft.com/office/powerpoint/2010/main" val="1160894276"/>
       </p:ext>
     </p:extLst>
   </p:cSld>
   <p:clrMapOvr>
     <a:masterClrMapping/>
   </p:clrMapOvr>
-  <mc:AlternateContent xmlns:mc="http://schemas.openxmlformats.org/markup-compatibility/2006" xmlns:p14="http://schemas.microsoft.com/office/powerpoint/2010/main">
-    <mc:Choice Requires="p14">
-      <p:transition p14:dur="0" advClick="0" advTm="4000"/>
+  <mc:AlternateContent xmlns:mc="http://schemas.openxmlformats.org/markup-compatibility/2006">
+    <mc:Choice xmlns:p14="http://schemas.microsoft.com/office/powerpoint/2010/main" Requires="p14">
+      <p:transition p14:dur="0" advTm="4000"/>
     </mc:Choice>
-    <mc:Fallback xmlns="">
-      <p:transition advClick="0" advTm="4000"/>
+    <mc:Fallback>
+      <p:transition advTm="4000"/>
     </mc:Fallback>
   </mc:AlternateContent>
 </p:sld>
@@ -7130,7 +7327,7 @@
         <p:spPr>
           <a:xfrm>
             <a:off x="838200" y="4567868"/>
-            <a:ext cx="6477000" cy="1600438"/>
+            <a:ext cx="6477000" cy="1384995"/>
           </a:xfrm>
           <a:prstGeom prst="rect">
             <a:avLst/>
@@ -7146,49 +7343,12 @@
             <a:r>
               <a:rPr lang="en-US" sz="1400" b="0" i="0" dirty="0">
                 <a:solidFill>
-                  <a:srgbClr val="171717"/>
+                  <a:srgbClr val="000000"/>
                 </a:solidFill>
                 <a:effectLst/>
                 <a:latin typeface="Andale Mono" panose="020B0509000000000004" pitchFamily="49" charset="0"/>
               </a:rPr>
-              <a:t>hardly 20% of the young generation survives and it's promoted to the old generation, so this old space sweep does not actually need to be done very often.</a:t>
-            </a:r>
-          </a:p>
-          <a:p>
-            <a:endParaRPr lang="en-US" sz="1400" b="0" i="0" dirty="0">
-              <a:solidFill>
-                <a:srgbClr val="171717"/>
-              </a:solidFill>
-              <a:effectLst/>
-              <a:latin typeface="Andale Mono" panose="020B0509000000000004" pitchFamily="49" charset="0"/>
-            </a:endParaRPr>
-          </a:p>
-          <a:p>
-            <a:r>
-              <a:rPr lang="en-US" sz="1400" b="0" i="0" dirty="0">
-                <a:solidFill>
-                  <a:srgbClr val="171717"/>
-                </a:solidFill>
-                <a:effectLst/>
-                <a:latin typeface="Andale Mono" panose="020B0509000000000004" pitchFamily="49" charset="0"/>
-              </a:rPr>
-              <a:t>It's only performed when this space is getting exhausted, which means around 512mb, you can set this limit with the </a:t>
-            </a:r>
-            <a:r>
-              <a:rPr lang="en-US" sz="1400" dirty="0">
-                <a:latin typeface="Andale Mono" panose="020B0509000000000004" pitchFamily="49" charset="0"/>
-              </a:rPr>
-              <a:t>--max-old-space-size</a:t>
-            </a:r>
-            <a:r>
-              <a:rPr lang="en-US" sz="1400" b="0" i="0" dirty="0">
-                <a:solidFill>
-                  <a:srgbClr val="171717"/>
-                </a:solidFill>
-                <a:effectLst/>
-                <a:latin typeface="Andale Mono" panose="020B0509000000000004" pitchFamily="49" charset="0"/>
-              </a:rPr>
-              <a:t> flag in Node.js.</a:t>
+              <a:t>in garbage collection there is an important term: “The Generational Hypothesis”. This basically states that most objects die young. In other words, most objects are allocated and then almost immediately become unreachable, from the perspective of the GC. This holds not only for V8 or JavaScript, but for most dynamic languages.</a:t>
             </a:r>
             <a:endParaRPr lang="en-IL" sz="1400" dirty="0">
               <a:latin typeface="Andale Mono" panose="020B0509000000000004" pitchFamily="49" charset="0"/>
@@ -7199,19 +7359,19 @@
     </p:spTree>
     <p:extLst>
       <p:ext uri="{BB962C8B-B14F-4D97-AF65-F5344CB8AC3E}">
-        <p14:creationId xmlns:p14="http://schemas.microsoft.com/office/powerpoint/2010/main" val="3254371267"/>
+        <p14:creationId xmlns:p14="http://schemas.microsoft.com/office/powerpoint/2010/main" val="369539308"/>
       </p:ext>
     </p:extLst>
   </p:cSld>
   <p:clrMapOvr>
     <a:masterClrMapping/>
   </p:clrMapOvr>
-  <mc:AlternateContent xmlns:mc="http://schemas.openxmlformats.org/markup-compatibility/2006" xmlns:p14="http://schemas.microsoft.com/office/powerpoint/2010/main">
-    <mc:Choice Requires="p14">
-      <p:transition p14:dur="0" advClick="0" advTm="4000"/>
+  <mc:AlternateContent xmlns:mc="http://schemas.openxmlformats.org/markup-compatibility/2006">
+    <mc:Choice xmlns:p14="http://schemas.microsoft.com/office/powerpoint/2010/main" Requires="p14">
+      <p:transition p14:dur="0" advTm="4000"/>
     </mc:Choice>
-    <mc:Fallback xmlns="">
-      <p:transition advClick="0" advTm="4000"/>
+    <mc:Fallback>
+      <p:transition advTm="4000"/>
     </mc:Fallback>
   </mc:AlternateContent>
 </p:sld>
@@ -7339,12 +7499,12 @@
   <p:clrMapOvr>
     <a:masterClrMapping/>
   </p:clrMapOvr>
-  <mc:AlternateContent xmlns:mc="http://schemas.openxmlformats.org/markup-compatibility/2006" xmlns:p14="http://schemas.microsoft.com/office/powerpoint/2010/main">
-    <mc:Choice Requires="p14">
-      <p:transition p14:dur="0" advClick="0" advTm="4000"/>
+  <mc:AlternateContent xmlns:mc="http://schemas.openxmlformats.org/markup-compatibility/2006">
+    <mc:Choice xmlns:p14="http://schemas.microsoft.com/office/powerpoint/2010/main" Requires="p14">
+      <p:transition p14:dur="0" advTm="4000"/>
     </mc:Choice>
-    <mc:Fallback xmlns="">
-      <p:transition advClick="0" advTm="4000"/>
+    <mc:Fallback>
+      <p:transition advTm="4000"/>
     </mc:Fallback>
   </mc:AlternateContent>
 </p:sld>
@@ -7372,6 +7532,202 @@
           <p:cNvPr id="2" name="Title 1">
             <a:extLst>
               <a:ext uri="{FF2B5EF4-FFF2-40B4-BE49-F238E27FC236}">
+                <a16:creationId xmlns:a16="http://schemas.microsoft.com/office/drawing/2014/main" id="{88601C36-64B1-03F1-B4D2-2F2FE8C17C8D}"/>
+              </a:ext>
+            </a:extLst>
+          </p:cNvPr>
+          <p:cNvSpPr>
+            <a:spLocks noGrp="1"/>
+          </p:cNvSpPr>
+          <p:nvPr>
+            <p:ph type="title"/>
+          </p:nvPr>
+        </p:nvSpPr>
+        <p:spPr>
+          <a:xfrm>
+            <a:off x="609600" y="222730"/>
+            <a:ext cx="7467600" cy="884238"/>
+          </a:xfrm>
+        </p:spPr>
+        <p:txBody>
+          <a:bodyPr>
+            <a:normAutofit/>
+          </a:bodyPr>
+          <a:lstStyle/>
+          <a:p>
+            <a:r>
+              <a:rPr lang="en-US" sz="3200" b="0" i="0" dirty="0">
+                <a:solidFill>
+                  <a:srgbClr val="000000"/>
+                </a:solidFill>
+                <a:effectLst/>
+                <a:latin typeface="Andale Mono" panose="020B0509000000000004" pitchFamily="49" charset="0"/>
+              </a:rPr>
+              <a:t>The Generational Hypothesis</a:t>
+            </a:r>
+            <a:endParaRPr lang="en-IL" dirty="0"/>
+          </a:p>
+        </p:txBody>
+      </p:sp>
+      <p:pic>
+        <p:nvPicPr>
+          <p:cNvPr id="7" name="Content Placeholder 6">
+            <a:extLst>
+              <a:ext uri="{FF2B5EF4-FFF2-40B4-BE49-F238E27FC236}">
+                <a16:creationId xmlns:a16="http://schemas.microsoft.com/office/drawing/2014/main" id="{BB1DD1B2-92AD-8069-DC59-47E7C7086F8C}"/>
+              </a:ext>
+            </a:extLst>
+          </p:cNvPr>
+          <p:cNvPicPr>
+            <a:picLocks noGrp="1" noChangeAspect="1"/>
+          </p:cNvPicPr>
+          <p:nvPr>
+            <p:ph sz="quarter" idx="1"/>
+          </p:nvPr>
+        </p:nvPicPr>
+        <p:blipFill>
+          <a:blip r:embed="rId2">
+            <a:extLst>
+              <a:ext uri="{28A0092B-C50C-407E-A947-70E740481C1C}">
+                <a14:useLocalDpi xmlns:a14="http://schemas.microsoft.com/office/drawing/2010/main" val="0"/>
+              </a:ext>
+            </a:extLst>
+          </a:blip>
+          <a:stretch>
+            <a:fillRect/>
+          </a:stretch>
+        </p:blipFill>
+        <p:spPr>
+          <a:xfrm>
+            <a:off x="457200" y="1219201"/>
+            <a:ext cx="7467600" cy="3124200"/>
+          </a:xfrm>
+        </p:spPr>
+      </p:pic>
+      <p:sp>
+        <p:nvSpPr>
+          <p:cNvPr id="3" name="TextBox 2">
+            <a:extLst>
+              <a:ext uri="{FF2B5EF4-FFF2-40B4-BE49-F238E27FC236}">
+                <a16:creationId xmlns:a16="http://schemas.microsoft.com/office/drawing/2014/main" id="{2DBD1185-783A-D981-45EC-D42D7D0FD1B6}"/>
+              </a:ext>
+            </a:extLst>
+          </p:cNvPr>
+          <p:cNvSpPr txBox="1"/>
+          <p:nvPr/>
+        </p:nvSpPr>
+        <p:spPr>
+          <a:xfrm>
+            <a:off x="838200" y="4567868"/>
+            <a:ext cx="6477000" cy="1600438"/>
+          </a:xfrm>
+          <a:prstGeom prst="rect">
+            <a:avLst/>
+          </a:prstGeom>
+          <a:noFill/>
+        </p:spPr>
+        <p:txBody>
+          <a:bodyPr wrap="square" rtlCol="0">
+            <a:spAutoFit/>
+          </a:bodyPr>
+          <a:lstStyle/>
+          <a:p>
+            <a:r>
+              <a:rPr lang="en-US" sz="1400" b="0" i="0" dirty="0">
+                <a:solidFill>
+                  <a:srgbClr val="171717"/>
+                </a:solidFill>
+                <a:effectLst/>
+                <a:latin typeface="Andale Mono" panose="020B0509000000000004" pitchFamily="49" charset="0"/>
+              </a:rPr>
+              <a:t>hardly 20% of the young generation survives and it's promoted to the old generation, so this old space sweep does not actually need to be done very often.</a:t>
+            </a:r>
+          </a:p>
+          <a:p>
+            <a:endParaRPr lang="en-US" sz="1400" b="0" i="0" dirty="0">
+              <a:solidFill>
+                <a:srgbClr val="171717"/>
+              </a:solidFill>
+              <a:effectLst/>
+              <a:latin typeface="Andale Mono" panose="020B0509000000000004" pitchFamily="49" charset="0"/>
+            </a:endParaRPr>
+          </a:p>
+          <a:p>
+            <a:r>
+              <a:rPr lang="en-US" sz="1400" b="0" i="0" dirty="0">
+                <a:solidFill>
+                  <a:srgbClr val="171717"/>
+                </a:solidFill>
+                <a:effectLst/>
+                <a:latin typeface="Andale Mono" panose="020B0509000000000004" pitchFamily="49" charset="0"/>
+              </a:rPr>
+              <a:t>It's only performed when this space is getting exhausted, which means around 512mb, you can set this limit with the </a:t>
+            </a:r>
+            <a:r>
+              <a:rPr lang="en-US" sz="1400" dirty="0">
+                <a:latin typeface="Andale Mono" panose="020B0509000000000004" pitchFamily="49" charset="0"/>
+              </a:rPr>
+              <a:t>--max-old-space-size</a:t>
+            </a:r>
+            <a:r>
+              <a:rPr lang="en-US" sz="1400" b="0" i="0" dirty="0">
+                <a:solidFill>
+                  <a:srgbClr val="171717"/>
+                </a:solidFill>
+                <a:effectLst/>
+                <a:latin typeface="Andale Mono" panose="020B0509000000000004" pitchFamily="49" charset="0"/>
+              </a:rPr>
+              <a:t> flag in Node.js.</a:t>
+            </a:r>
+            <a:endParaRPr lang="en-IL" sz="1400" dirty="0">
+              <a:latin typeface="Andale Mono" panose="020B0509000000000004" pitchFamily="49" charset="0"/>
+            </a:endParaRPr>
+          </a:p>
+        </p:txBody>
+      </p:sp>
+    </p:spTree>
+    <p:extLst>
+      <p:ext uri="{BB962C8B-B14F-4D97-AF65-F5344CB8AC3E}">
+        <p14:creationId xmlns:p14="http://schemas.microsoft.com/office/powerpoint/2010/main" val="3254371267"/>
+      </p:ext>
+    </p:extLst>
+  </p:cSld>
+  <p:clrMapOvr>
+    <a:masterClrMapping/>
+  </p:clrMapOvr>
+  <mc:AlternateContent xmlns:mc="http://schemas.openxmlformats.org/markup-compatibility/2006">
+    <mc:Choice xmlns:p14="http://schemas.microsoft.com/office/powerpoint/2010/main" Requires="p14">
+      <p:transition p14:dur="0" advTm="4000"/>
+    </mc:Choice>
+    <mc:Fallback>
+      <p:transition advTm="4000"/>
+    </mc:Fallback>
+  </mc:AlternateContent>
+</p:sld>
+</file>
+
+<file path=ppt/slides/slide21.xml><?xml version="1.0" encoding="utf-8"?>
+<p:sld xmlns:a="http://schemas.openxmlformats.org/drawingml/2006/main" xmlns:r="http://schemas.openxmlformats.org/officeDocument/2006/relationships" xmlns:p="http://schemas.openxmlformats.org/presentationml/2006/main">
+  <p:cSld>
+    <p:spTree>
+      <p:nvGrpSpPr>
+        <p:cNvPr id="1" name=""/>
+        <p:cNvGrpSpPr/>
+        <p:nvPr/>
+      </p:nvGrpSpPr>
+      <p:grpSpPr>
+        <a:xfrm>
+          <a:off x="0" y="0"/>
+          <a:ext cx="0" cy="0"/>
+          <a:chOff x="0" y="0"/>
+          <a:chExt cx="0" cy="0"/>
+        </a:xfrm>
+      </p:grpSpPr>
+      <p:sp>
+        <p:nvSpPr>
+          <p:cNvPr id="2" name="Title 1">
+            <a:extLst>
+              <a:ext uri="{FF2B5EF4-FFF2-40B4-BE49-F238E27FC236}">
                 <a16:creationId xmlns:a16="http://schemas.microsoft.com/office/drawing/2014/main" id="{28265646-7F3C-AB47-88CC-0EC474B2542A}"/>
               </a:ext>
             </a:extLst>
@@ -7409,18 +7765,18 @@
   <p:clrMapOvr>
     <a:masterClrMapping/>
   </p:clrMapOvr>
-  <mc:AlternateContent xmlns:mc="http://schemas.openxmlformats.org/markup-compatibility/2006" xmlns:p14="http://schemas.microsoft.com/office/powerpoint/2010/main">
-    <mc:Choice Requires="p14">
-      <p:transition p14:dur="0" advClick="0" advTm="4000"/>
+  <mc:AlternateContent xmlns:mc="http://schemas.openxmlformats.org/markup-compatibility/2006">
+    <mc:Choice xmlns:p14="http://schemas.microsoft.com/office/powerpoint/2010/main" Requires="p14">
+      <p:transition p14:dur="0" advTm="4000"/>
     </mc:Choice>
-    <mc:Fallback xmlns="">
-      <p:transition advClick="0" advTm="4000"/>
+    <mc:Fallback>
+      <p:transition advTm="4000"/>
     </mc:Fallback>
   </mc:AlternateContent>
 </p:sld>
 </file>
 
-<file path=ppt/slides/slide21.xml><?xml version="1.0" encoding="utf-8"?>
+<file path=ppt/slides/slide22.xml><?xml version="1.0" encoding="utf-8"?>
 <p:sld xmlns:a="http://schemas.openxmlformats.org/drawingml/2006/main" xmlns:r="http://schemas.openxmlformats.org/officeDocument/2006/relationships" xmlns:p="http://schemas.openxmlformats.org/presentationml/2006/main">
   <p:cSld>
     <p:spTree>
@@ -7556,18 +7912,18 @@
   <p:clrMapOvr>
     <a:masterClrMapping/>
   </p:clrMapOvr>
-  <mc:AlternateContent xmlns:mc="http://schemas.openxmlformats.org/markup-compatibility/2006" xmlns:p14="http://schemas.microsoft.com/office/powerpoint/2010/main">
-    <mc:Choice Requires="p14">
-      <p:transition p14:dur="0" advClick="0" advTm="4000"/>
+  <mc:AlternateContent xmlns:mc="http://schemas.openxmlformats.org/markup-compatibility/2006">
+    <mc:Choice xmlns:p14="http://schemas.microsoft.com/office/powerpoint/2010/main" Requires="p14">
+      <p:transition p14:dur="0" advTm="4000"/>
     </mc:Choice>
-    <mc:Fallback xmlns="">
-      <p:transition advClick="0" advTm="4000"/>
+    <mc:Fallback>
+      <p:transition advTm="4000"/>
     </mc:Fallback>
   </mc:AlternateContent>
 </p:sld>
 </file>
 
-<file path=ppt/slides/slide22.xml><?xml version="1.0" encoding="utf-8"?>
+<file path=ppt/slides/slide23.xml><?xml version="1.0" encoding="utf-8"?>
 <p:sld xmlns:a="http://schemas.openxmlformats.org/drawingml/2006/main" xmlns:r="http://schemas.openxmlformats.org/officeDocument/2006/relationships" xmlns:p="http://schemas.openxmlformats.org/presentationml/2006/main">
   <p:cSld>
     <p:spTree>
@@ -7703,18 +8059,18 @@
   <p:clrMapOvr>
     <a:masterClrMapping/>
   </p:clrMapOvr>
-  <mc:AlternateContent xmlns:mc="http://schemas.openxmlformats.org/markup-compatibility/2006" xmlns:p14="http://schemas.microsoft.com/office/powerpoint/2010/main">
-    <mc:Choice Requires="p14">
-      <p:transition p14:dur="0" advClick="0" advTm="4000"/>
+  <mc:AlternateContent xmlns:mc="http://schemas.openxmlformats.org/markup-compatibility/2006">
+    <mc:Choice xmlns:p14="http://schemas.microsoft.com/office/powerpoint/2010/main" Requires="p14">
+      <p:transition p14:dur="0" advTm="4000"/>
     </mc:Choice>
-    <mc:Fallback xmlns="">
-      <p:transition advClick="0" advTm="4000"/>
+    <mc:Fallback>
+      <p:transition advTm="4000"/>
     </mc:Fallback>
   </mc:AlternateContent>
 </p:sld>
 </file>
 
-<file path=ppt/slides/slide23.xml><?xml version="1.0" encoding="utf-8"?>
+<file path=ppt/slides/slide24.xml><?xml version="1.0" encoding="utf-8"?>
 <p:sld xmlns:a="http://schemas.openxmlformats.org/drawingml/2006/main" xmlns:r="http://schemas.openxmlformats.org/officeDocument/2006/relationships" xmlns:p="http://schemas.openxmlformats.org/presentationml/2006/main">
   <p:cSld>
     <p:spTree>
@@ -8008,12 +8364,12 @@
   <p:clrMapOvr>
     <a:masterClrMapping/>
   </p:clrMapOvr>
-  <mc:AlternateContent xmlns:mc="http://schemas.openxmlformats.org/markup-compatibility/2006" xmlns:p14="http://schemas.microsoft.com/office/powerpoint/2010/main">
-    <mc:Choice Requires="p14">
-      <p:transition p14:dur="0" advClick="0" advTm="4000"/>
+  <mc:AlternateContent xmlns:mc="http://schemas.openxmlformats.org/markup-compatibility/2006">
+    <mc:Choice xmlns:p14="http://schemas.microsoft.com/office/powerpoint/2010/main" Requires="p14">
+      <p:transition p14:dur="0" advTm="4000"/>
     </mc:Choice>
-    <mc:Fallback xmlns="">
-      <p:transition advClick="0" advTm="4000"/>
+    <mc:Fallback>
+      <p:transition advTm="4000"/>
     </mc:Fallback>
   </mc:AlternateContent>
 </p:sld>
@@ -8041,7 +8397,7 @@
           <p:cNvPr id="2" name="Title 1">
             <a:extLst>
               <a:ext uri="{FF2B5EF4-FFF2-40B4-BE49-F238E27FC236}">
-                <a16:creationId xmlns:a16="http://schemas.microsoft.com/office/drawing/2014/main" id="{5401F2C0-FBFC-D3D5-410E-50F760617F17}"/>
+                <a16:creationId xmlns:a16="http://schemas.microsoft.com/office/drawing/2014/main" id="{A7C3F55B-256C-8102-84B0-3BC2CA26775C}"/>
               </a:ext>
             </a:extLst>
           </p:cNvPr>
@@ -8058,17 +8414,232 @@
           <a:lstStyle/>
           <a:p>
             <a:r>
-              <a:rPr lang="en-US" dirty="0"/>
-              <a:t>E</a:t>
-            </a:r>
-            <a:r>
-              <a:rPr lang="en-IL" dirty="0"/>
-              <a:t>arly days</a:t>
-            </a:r>
-            <a:br>
-              <a:rPr lang="en-IL" dirty="0"/>
-            </a:br>
-            <a:endParaRPr lang="en-IL" dirty="0"/>
+              <a:rPr lang="en-IL" dirty="0">
+                <a:solidFill>
+                  <a:schemeClr val="tx1"/>
+                </a:solidFill>
+                <a:latin typeface="Andale Mono" panose="020B0509000000000004" pitchFamily="49" charset="0"/>
+              </a:rPr>
+              <a:t>Reminder : The Stack</a:t>
+            </a:r>
+          </a:p>
+        </p:txBody>
+      </p:sp>
+      <p:sp>
+        <p:nvSpPr>
+          <p:cNvPr id="3" name="Content Placeholder 2">
+            <a:extLst>
+              <a:ext uri="{FF2B5EF4-FFF2-40B4-BE49-F238E27FC236}">
+                <a16:creationId xmlns:a16="http://schemas.microsoft.com/office/drawing/2014/main" id="{C5DC4E92-3836-38D3-8A9A-DF8F2A6BCDF9}"/>
+              </a:ext>
+            </a:extLst>
+          </p:cNvPr>
+          <p:cNvSpPr>
+            <a:spLocks noGrp="1"/>
+          </p:cNvSpPr>
+          <p:nvPr>
+            <p:ph sz="quarter" idx="1"/>
+          </p:nvPr>
+        </p:nvSpPr>
+        <p:spPr/>
+        <p:txBody>
+          <a:bodyPr/>
+          <a:lstStyle/>
+          <a:p>
+            <a:pPr algn="l"/>
+            <a:r>
+              <a:rPr lang="en-US" b="0" i="0" dirty="0">
+                <a:solidFill>
+                  <a:srgbClr val="404040"/>
+                </a:solidFill>
+                <a:effectLst/>
+                <a:latin typeface="Andale Mono" panose="020B0509000000000004" pitchFamily="49" charset="0"/>
+              </a:rPr>
+              <a:t>The stack contains local variables and pointers to objects on the heap or pointers defining the control flow of the application.</a:t>
+            </a:r>
+          </a:p>
+          <a:p>
+            <a:endParaRPr lang="en-US" b="0" i="0" dirty="0">
+              <a:solidFill>
+                <a:srgbClr val="000000"/>
+              </a:solidFill>
+              <a:effectLst/>
+              <a:latin typeface="Andale Mono" panose="020B0509000000000004" pitchFamily="49" charset="0"/>
+            </a:endParaRPr>
+          </a:p>
+          <a:p>
+            <a:r>
+              <a:rPr lang="en-US" b="0" i="0" dirty="0">
+                <a:solidFill>
+                  <a:srgbClr val="000000"/>
+                </a:solidFill>
+                <a:effectLst/>
+                <a:latin typeface="Andale Mono" panose="020B0509000000000004" pitchFamily="49" charset="0"/>
+              </a:rPr>
+              <a:t>function </a:t>
+            </a:r>
+            <a:r>
+              <a:rPr lang="en-US" b="0" i="0" dirty="0" err="1">
+                <a:solidFill>
+                  <a:srgbClr val="000000"/>
+                </a:solidFill>
+                <a:effectLst/>
+                <a:latin typeface="Andale Mono" panose="020B0509000000000004" pitchFamily="49" charset="0"/>
+              </a:rPr>
+              <a:t>addFunction</a:t>
+            </a:r>
+            <a:r>
+              <a:rPr lang="en-US" b="0" i="0" dirty="0">
+                <a:solidFill>
+                  <a:srgbClr val="000000"/>
+                </a:solidFill>
+                <a:effectLst/>
+                <a:latin typeface="Andale Mono" panose="020B0509000000000004" pitchFamily="49" charset="0"/>
+              </a:rPr>
+              <a:t> (a, b){</a:t>
+            </a:r>
+          </a:p>
+          <a:p>
+            <a:r>
+              <a:rPr lang="en-US" b="0" i="0" dirty="0">
+                <a:solidFill>
+                  <a:srgbClr val="000000"/>
+                </a:solidFill>
+                <a:effectLst/>
+                <a:latin typeface="Andale Mono" panose="020B0509000000000004" pitchFamily="49" charset="0"/>
+              </a:rPr>
+              <a:t> return a + b </a:t>
+            </a:r>
+          </a:p>
+          <a:p>
+            <a:r>
+              <a:rPr lang="en-US" b="0" i="0" dirty="0">
+                <a:solidFill>
+                  <a:srgbClr val="000000"/>
+                </a:solidFill>
+                <a:effectLst/>
+                <a:latin typeface="Andale Mono" panose="020B0509000000000004" pitchFamily="49" charset="0"/>
+              </a:rPr>
+              <a:t>}</a:t>
+            </a:r>
+          </a:p>
+          <a:p>
+            <a:endParaRPr lang="en-US" dirty="0">
+              <a:solidFill>
+                <a:srgbClr val="000000"/>
+              </a:solidFill>
+              <a:latin typeface="Andale Mono" panose="020B0509000000000004" pitchFamily="49" charset="0"/>
+            </a:endParaRPr>
+          </a:p>
+          <a:p>
+            <a:r>
+              <a:rPr lang="en-US" b="0" i="0" dirty="0">
+                <a:solidFill>
+                  <a:srgbClr val="000000"/>
+                </a:solidFill>
+                <a:effectLst/>
+                <a:latin typeface="Andale Mono" panose="020B0509000000000004" pitchFamily="49" charset="0"/>
+              </a:rPr>
+              <a:t> add(10, </a:t>
+            </a:r>
+            <a:r>
+              <a:rPr lang="en-US" dirty="0">
+                <a:solidFill>
+                  <a:srgbClr val="000000"/>
+                </a:solidFill>
+                <a:latin typeface="Andale Mono" panose="020B0509000000000004" pitchFamily="49" charset="0"/>
+              </a:rPr>
+              <a:t>12</a:t>
+            </a:r>
+            <a:r>
+              <a:rPr lang="en-US" b="0" i="0" dirty="0">
+                <a:solidFill>
+                  <a:srgbClr val="000000"/>
+                </a:solidFill>
+                <a:effectLst/>
+                <a:latin typeface="Andale Mono" panose="020B0509000000000004" pitchFamily="49" charset="0"/>
+              </a:rPr>
+              <a:t>)</a:t>
+            </a:r>
+            <a:endParaRPr lang="en-IL" dirty="0">
+              <a:latin typeface="Andale Mono" panose="020B0509000000000004" pitchFamily="49" charset="0"/>
+            </a:endParaRPr>
+          </a:p>
+        </p:txBody>
+      </p:sp>
+    </p:spTree>
+    <p:extLst>
+      <p:ext uri="{BB962C8B-B14F-4D97-AF65-F5344CB8AC3E}">
+        <p14:creationId xmlns:p14="http://schemas.microsoft.com/office/powerpoint/2010/main" val="514541189"/>
+      </p:ext>
+    </p:extLst>
+  </p:cSld>
+  <p:clrMapOvr>
+    <a:masterClrMapping/>
+  </p:clrMapOvr>
+  <mc:AlternateContent xmlns:mc="http://schemas.openxmlformats.org/markup-compatibility/2006">
+    <mc:Choice xmlns:p14="http://schemas.microsoft.com/office/powerpoint/2010/main" Requires="p14">
+      <p:transition p14:dur="0" advTm="4000"/>
+    </mc:Choice>
+    <mc:Fallback>
+      <p:transition advTm="4000"/>
+    </mc:Fallback>
+  </mc:AlternateContent>
+</p:sld>
+</file>
+
+<file path=ppt/slides/slide4.xml><?xml version="1.0" encoding="utf-8"?>
+<p:sld xmlns:a="http://schemas.openxmlformats.org/drawingml/2006/main" xmlns:r="http://schemas.openxmlformats.org/officeDocument/2006/relationships" xmlns:p="http://schemas.openxmlformats.org/presentationml/2006/main">
+  <p:cSld>
+    <p:spTree>
+      <p:nvGrpSpPr>
+        <p:cNvPr id="1" name=""/>
+        <p:cNvGrpSpPr/>
+        <p:nvPr/>
+      </p:nvGrpSpPr>
+      <p:grpSpPr>
+        <a:xfrm>
+          <a:off x="0" y="0"/>
+          <a:ext cx="0" cy="0"/>
+          <a:chOff x="0" y="0"/>
+          <a:chExt cx="0" cy="0"/>
+        </a:xfrm>
+      </p:grpSpPr>
+      <p:sp>
+        <p:nvSpPr>
+          <p:cNvPr id="2" name="Title 1">
+            <a:extLst>
+              <a:ext uri="{FF2B5EF4-FFF2-40B4-BE49-F238E27FC236}">
+                <a16:creationId xmlns:a16="http://schemas.microsoft.com/office/drawing/2014/main" id="{A7C3F55B-256C-8102-84B0-3BC2CA26775C}"/>
+              </a:ext>
+            </a:extLst>
+          </p:cNvPr>
+          <p:cNvSpPr>
+            <a:spLocks noGrp="1"/>
+          </p:cNvSpPr>
+          <p:nvPr>
+            <p:ph type="title"/>
+          </p:nvPr>
+        </p:nvSpPr>
+        <p:spPr>
+          <a:xfrm>
+            <a:off x="457200" y="274638"/>
+            <a:ext cx="7467600" cy="587465"/>
+          </a:xfrm>
+        </p:spPr>
+        <p:txBody>
+          <a:bodyPr/>
+          <a:lstStyle/>
+          <a:p>
+            <a:r>
+              <a:rPr lang="en-IL" dirty="0">
+                <a:solidFill>
+                  <a:schemeClr val="tx1"/>
+                </a:solidFill>
+                <a:latin typeface="Andale Mono" panose="020B0509000000000004" pitchFamily="49" charset="0"/>
+              </a:rPr>
+              <a:t>Reminder : The Stack</a:t>
+            </a:r>
           </a:p>
         </p:txBody>
       </p:sp>
@@ -8077,7 +8648,7 @@
           <p:cNvPr id="5" name="Content Placeholder 4">
             <a:extLst>
               <a:ext uri="{FF2B5EF4-FFF2-40B4-BE49-F238E27FC236}">
-                <a16:creationId xmlns:a16="http://schemas.microsoft.com/office/drawing/2014/main" id="{B83BFE8E-3FE5-3CAD-64CF-31EB247EA573}"/>
+                <a16:creationId xmlns:a16="http://schemas.microsoft.com/office/drawing/2014/main" id="{DD27F8A5-2707-B588-2CFC-A0D802C2F718}"/>
               </a:ext>
             </a:extLst>
           </p:cNvPr>
@@ -8102,6 +8673,564 @@
         </p:blipFill>
         <p:spPr>
           <a:xfrm>
+            <a:off x="457200" y="1752600"/>
+            <a:ext cx="7467600" cy="4243297"/>
+          </a:xfrm>
+        </p:spPr>
+      </p:pic>
+      <p:sp>
+        <p:nvSpPr>
+          <p:cNvPr id="6" name="Frame 5">
+            <a:extLst>
+              <a:ext uri="{FF2B5EF4-FFF2-40B4-BE49-F238E27FC236}">
+                <a16:creationId xmlns:a16="http://schemas.microsoft.com/office/drawing/2014/main" id="{75DD3E8B-AB59-5FA8-59EF-FA10918B2547}"/>
+              </a:ext>
+            </a:extLst>
+          </p:cNvPr>
+          <p:cNvSpPr/>
+          <p:nvPr/>
+        </p:nvSpPr>
+        <p:spPr>
+          <a:xfrm>
+            <a:off x="4267200" y="1752600"/>
+            <a:ext cx="1143000" cy="304800"/>
+          </a:xfrm>
+          <a:prstGeom prst="frame">
+            <a:avLst/>
+          </a:prstGeom>
+          <a:solidFill>
+            <a:srgbClr val="FF0000"/>
+          </a:solidFill>
+          <a:ln>
+            <a:solidFill>
+              <a:srgbClr val="FF0000"/>
+            </a:solidFill>
+          </a:ln>
+        </p:spPr>
+        <p:style>
+          <a:lnRef idx="2">
+            <a:schemeClr val="accent1">
+              <a:shade val="50000"/>
+            </a:schemeClr>
+          </a:lnRef>
+          <a:fillRef idx="1">
+            <a:schemeClr val="accent1"/>
+          </a:fillRef>
+          <a:effectRef idx="0">
+            <a:schemeClr val="accent1"/>
+          </a:effectRef>
+          <a:fontRef idx="minor">
+            <a:schemeClr val="lt1"/>
+          </a:fontRef>
+        </p:style>
+        <p:txBody>
+          <a:bodyPr rtlCol="0" anchor="ctr"/>
+          <a:lstStyle/>
+          <a:p>
+            <a:pPr algn="ctr"/>
+            <a:endParaRPr lang="en-IL">
+              <a:solidFill>
+                <a:schemeClr val="tx1"/>
+              </a:solidFill>
+            </a:endParaRPr>
+          </a:p>
+        </p:txBody>
+      </p:sp>
+      <p:sp>
+        <p:nvSpPr>
+          <p:cNvPr id="7" name="Frame 6">
+            <a:extLst>
+              <a:ext uri="{FF2B5EF4-FFF2-40B4-BE49-F238E27FC236}">
+                <a16:creationId xmlns:a16="http://schemas.microsoft.com/office/drawing/2014/main" id="{9AA8AB5D-B87E-D53B-77FE-83CEA8FCEBDF}"/>
+              </a:ext>
+            </a:extLst>
+          </p:cNvPr>
+          <p:cNvSpPr/>
+          <p:nvPr/>
+        </p:nvSpPr>
+        <p:spPr>
+          <a:xfrm>
+            <a:off x="457200" y="3429000"/>
+            <a:ext cx="1143000" cy="304800"/>
+          </a:xfrm>
+          <a:prstGeom prst="frame">
+            <a:avLst/>
+          </a:prstGeom>
+          <a:solidFill>
+            <a:srgbClr val="FF0000"/>
+          </a:solidFill>
+          <a:ln>
+            <a:solidFill>
+              <a:srgbClr val="FF0000"/>
+            </a:solidFill>
+          </a:ln>
+        </p:spPr>
+        <p:style>
+          <a:lnRef idx="2">
+            <a:schemeClr val="accent1">
+              <a:shade val="50000"/>
+            </a:schemeClr>
+          </a:lnRef>
+          <a:fillRef idx="1">
+            <a:schemeClr val="accent1"/>
+          </a:fillRef>
+          <a:effectRef idx="0">
+            <a:schemeClr val="accent1"/>
+          </a:effectRef>
+          <a:fontRef idx="minor">
+            <a:schemeClr val="lt1"/>
+          </a:fontRef>
+        </p:style>
+        <p:txBody>
+          <a:bodyPr rtlCol="0" anchor="ctr"/>
+          <a:lstStyle/>
+          <a:p>
+            <a:pPr algn="ctr"/>
+            <a:endParaRPr lang="en-IL">
+              <a:solidFill>
+                <a:schemeClr val="tx1"/>
+              </a:solidFill>
+            </a:endParaRPr>
+          </a:p>
+        </p:txBody>
+      </p:sp>
+      <p:sp>
+        <p:nvSpPr>
+          <p:cNvPr id="8" name="Title 1">
+            <a:extLst>
+              <a:ext uri="{FF2B5EF4-FFF2-40B4-BE49-F238E27FC236}">
+                <a16:creationId xmlns:a16="http://schemas.microsoft.com/office/drawing/2014/main" id="{AE7B61A6-073B-B65C-B8A3-1771F8B4AE1C}"/>
+              </a:ext>
+            </a:extLst>
+          </p:cNvPr>
+          <p:cNvSpPr txBox="1">
+            <a:spLocks/>
+          </p:cNvSpPr>
+          <p:nvPr/>
+        </p:nvSpPr>
+        <p:spPr>
+          <a:xfrm>
+            <a:off x="457200" y="862103"/>
+            <a:ext cx="7467600" cy="587465"/>
+          </a:xfrm>
+          <a:prstGeom prst="rect">
+            <a:avLst/>
+          </a:prstGeom>
+        </p:spPr>
+        <p:txBody>
+          <a:bodyPr vert="horz" anchor="b">
+            <a:normAutofit/>
+          </a:bodyPr>
+          <a:lstStyle>
+            <a:lvl1pPr algn="l" rtl="0" eaLnBrk="1" latinLnBrk="0" hangingPunct="1">
+              <a:spcBef>
+                <a:spcPct val="0"/>
+              </a:spcBef>
+              <a:buNone/>
+              <a:defRPr kumimoji="0" sz="3000" b="0" kern="1200" cap="small" baseline="0">
+                <a:solidFill>
+                  <a:schemeClr val="tx2"/>
+                </a:solidFill>
+                <a:latin typeface="+mj-lt"/>
+                <a:ea typeface="+mj-ea"/>
+                <a:cs typeface="+mj-cs"/>
+              </a:defRPr>
+            </a:lvl1pPr>
+          </a:lstStyle>
+          <a:p>
+            <a:r>
+              <a:rPr lang="en-US" dirty="0">
+                <a:solidFill>
+                  <a:schemeClr val="tx1"/>
+                </a:solidFill>
+                <a:latin typeface="Andale Mono" panose="020B0509000000000004" pitchFamily="49" charset="0"/>
+              </a:rPr>
+              <a:t>node --print-bytecode &lt;</a:t>
+            </a:r>
+            <a:r>
+              <a:rPr lang="en-US" dirty="0" err="1">
+                <a:solidFill>
+                  <a:schemeClr val="tx1"/>
+                </a:solidFill>
+                <a:latin typeface="Andale Mono" panose="020B0509000000000004" pitchFamily="49" charset="0"/>
+              </a:rPr>
+              <a:t>JsFile</a:t>
+            </a:r>
+            <a:r>
+              <a:rPr lang="en-US" dirty="0">
+                <a:solidFill>
+                  <a:schemeClr val="tx1"/>
+                </a:solidFill>
+                <a:latin typeface="Andale Mono" panose="020B0509000000000004" pitchFamily="49" charset="0"/>
+              </a:rPr>
+              <a:t>&gt;</a:t>
+            </a:r>
+            <a:endParaRPr lang="en-IL" dirty="0">
+              <a:solidFill>
+                <a:schemeClr val="tx1"/>
+              </a:solidFill>
+              <a:latin typeface="Andale Mono" panose="020B0509000000000004" pitchFamily="49" charset="0"/>
+            </a:endParaRPr>
+          </a:p>
+        </p:txBody>
+      </p:sp>
+    </p:spTree>
+    <p:extLst>
+      <p:ext uri="{BB962C8B-B14F-4D97-AF65-F5344CB8AC3E}">
+        <p14:creationId xmlns:p14="http://schemas.microsoft.com/office/powerpoint/2010/main" val="348681677"/>
+      </p:ext>
+    </p:extLst>
+  </p:cSld>
+  <p:clrMapOvr>
+    <a:masterClrMapping/>
+  </p:clrMapOvr>
+  <mc:AlternateContent xmlns:mc="http://schemas.openxmlformats.org/markup-compatibility/2006">
+    <mc:Choice xmlns:p14="http://schemas.microsoft.com/office/powerpoint/2010/main" Requires="p14">
+      <p:transition p14:dur="0" advTm="4000"/>
+    </mc:Choice>
+    <mc:Fallback>
+      <p:transition advTm="4000"/>
+    </mc:Fallback>
+  </mc:AlternateContent>
+</p:sld>
+</file>
+
+<file path=ppt/slides/slide5.xml><?xml version="1.0" encoding="utf-8"?>
+<p:sld xmlns:a="http://schemas.openxmlformats.org/drawingml/2006/main" xmlns:r="http://schemas.openxmlformats.org/officeDocument/2006/relationships" xmlns:p="http://schemas.openxmlformats.org/presentationml/2006/main">
+  <p:cSld>
+    <p:spTree>
+      <p:nvGrpSpPr>
+        <p:cNvPr id="1" name=""/>
+        <p:cNvGrpSpPr/>
+        <p:nvPr/>
+      </p:nvGrpSpPr>
+      <p:grpSpPr>
+        <a:xfrm>
+          <a:off x="0" y="0"/>
+          <a:ext cx="0" cy="0"/>
+          <a:chOff x="0" y="0"/>
+          <a:chExt cx="0" cy="0"/>
+        </a:xfrm>
+      </p:grpSpPr>
+      <p:sp>
+        <p:nvSpPr>
+          <p:cNvPr id="2" name="Title 1">
+            <a:extLst>
+              <a:ext uri="{FF2B5EF4-FFF2-40B4-BE49-F238E27FC236}">
+                <a16:creationId xmlns:a16="http://schemas.microsoft.com/office/drawing/2014/main" id="{40668497-0DD8-6D76-266A-C8896C26B702}"/>
+              </a:ext>
+            </a:extLst>
+          </p:cNvPr>
+          <p:cNvSpPr>
+            <a:spLocks noGrp="1"/>
+          </p:cNvSpPr>
+          <p:nvPr>
+            <p:ph type="title"/>
+          </p:nvPr>
+        </p:nvSpPr>
+        <p:spPr/>
+        <p:txBody>
+          <a:bodyPr>
+            <a:normAutofit/>
+          </a:bodyPr>
+          <a:lstStyle/>
+          <a:p>
+            <a:r>
+              <a:rPr lang="en-IL" dirty="0">
+                <a:solidFill>
+                  <a:schemeClr val="tx1"/>
+                </a:solidFill>
+                <a:latin typeface="Andale Mono" panose="020B0509000000000004" pitchFamily="49" charset="0"/>
+              </a:rPr>
+              <a:t>Reminder :</a:t>
+            </a:r>
+            <a:r>
+              <a:rPr lang="en-US" b="1" i="0" dirty="0">
+                <a:solidFill>
+                  <a:schemeClr val="tx1"/>
+                </a:solidFill>
+                <a:effectLst/>
+                <a:latin typeface="Andale Mono" panose="020B0509000000000004" pitchFamily="49" charset="0"/>
+              </a:rPr>
+              <a:t>The Heap</a:t>
+            </a:r>
+            <a:endParaRPr lang="en-IL" dirty="0">
+              <a:solidFill>
+                <a:schemeClr val="tx1"/>
+              </a:solidFill>
+              <a:latin typeface="Andale Mono" panose="020B0509000000000004" pitchFamily="49" charset="0"/>
+            </a:endParaRPr>
+          </a:p>
+        </p:txBody>
+      </p:sp>
+      <p:sp>
+        <p:nvSpPr>
+          <p:cNvPr id="3" name="Content Placeholder 2">
+            <a:extLst>
+              <a:ext uri="{FF2B5EF4-FFF2-40B4-BE49-F238E27FC236}">
+                <a16:creationId xmlns:a16="http://schemas.microsoft.com/office/drawing/2014/main" id="{8A2F79A0-08B1-39F5-F867-8338D4725422}"/>
+              </a:ext>
+            </a:extLst>
+          </p:cNvPr>
+          <p:cNvSpPr>
+            <a:spLocks noGrp="1"/>
+          </p:cNvSpPr>
+          <p:nvPr>
+            <p:ph sz="quarter" idx="1"/>
+          </p:nvPr>
+        </p:nvSpPr>
+        <p:spPr/>
+        <p:txBody>
+          <a:bodyPr>
+            <a:normAutofit/>
+          </a:bodyPr>
+          <a:lstStyle/>
+          <a:p>
+            <a:pPr algn="l"/>
+            <a:r>
+              <a:rPr lang="en-US" b="0" i="0" dirty="0">
+                <a:solidFill>
+                  <a:srgbClr val="404040"/>
+                </a:solidFill>
+                <a:effectLst/>
+                <a:latin typeface="Montserrat" pitchFamily="2" charset="77"/>
+              </a:rPr>
+              <a:t>The heap is dedicated to store reference type objects, like objects.</a:t>
+            </a:r>
+          </a:p>
+          <a:p>
+            <a:pPr algn="l"/>
+            <a:endParaRPr lang="en-US" b="0" i="0" dirty="0">
+              <a:solidFill>
+                <a:srgbClr val="404040"/>
+              </a:solidFill>
+              <a:effectLst/>
+              <a:latin typeface="Montserrat" pitchFamily="2" charset="77"/>
+            </a:endParaRPr>
+          </a:p>
+          <a:p>
+            <a:r>
+              <a:rPr lang="en-US" b="0" i="0" dirty="0">
+                <a:solidFill>
+                  <a:srgbClr val="000000"/>
+                </a:solidFill>
+                <a:effectLst/>
+                <a:latin typeface="Courier 10 Pitch" pitchFamily="2" charset="0"/>
+              </a:rPr>
+              <a:t>function Car (opts) { </a:t>
+            </a:r>
+          </a:p>
+          <a:p>
+            <a:pPr lvl="1"/>
+            <a:r>
+              <a:rPr lang="en-US" b="0" i="0" dirty="0" err="1">
+                <a:solidFill>
+                  <a:srgbClr val="000000"/>
+                </a:solidFill>
+                <a:effectLst/>
+                <a:latin typeface="Courier 10 Pitch" pitchFamily="2" charset="0"/>
+              </a:rPr>
+              <a:t>this.type</a:t>
+            </a:r>
+            <a:r>
+              <a:rPr lang="en-US" b="0" i="0" dirty="0">
+                <a:solidFill>
+                  <a:srgbClr val="000000"/>
+                </a:solidFill>
+                <a:effectLst/>
+                <a:latin typeface="Courier 10 Pitch" pitchFamily="2" charset="0"/>
+              </a:rPr>
+              <a:t> = </a:t>
+            </a:r>
+            <a:r>
+              <a:rPr lang="en-US" b="0" i="0" dirty="0" err="1">
+                <a:solidFill>
+                  <a:srgbClr val="000000"/>
+                </a:solidFill>
+                <a:effectLst/>
+                <a:latin typeface="Courier 10 Pitch" pitchFamily="2" charset="0"/>
+              </a:rPr>
+              <a:t>opts.type</a:t>
+            </a:r>
+            <a:r>
+              <a:rPr lang="en-US" b="0" i="0" dirty="0">
+                <a:solidFill>
+                  <a:srgbClr val="000000"/>
+                </a:solidFill>
+                <a:effectLst/>
+                <a:latin typeface="Courier 10 Pitch" pitchFamily="2" charset="0"/>
+              </a:rPr>
+              <a:t>;</a:t>
+            </a:r>
+          </a:p>
+          <a:p>
+            <a:r>
+              <a:rPr lang="en-US" b="0" i="0" dirty="0">
+                <a:solidFill>
+                  <a:srgbClr val="000000"/>
+                </a:solidFill>
+                <a:effectLst/>
+                <a:latin typeface="Courier 10 Pitch" pitchFamily="2" charset="0"/>
+              </a:rPr>
+              <a:t>}</a:t>
+            </a:r>
+          </a:p>
+          <a:p>
+            <a:pPr marL="0" indent="0">
+              <a:buNone/>
+            </a:pPr>
+            <a:r>
+              <a:rPr lang="en-US" b="0" i="0" dirty="0">
+                <a:solidFill>
+                  <a:srgbClr val="000000"/>
+                </a:solidFill>
+                <a:effectLst/>
+                <a:latin typeface="Courier 10 Pitch" pitchFamily="2" charset="0"/>
+              </a:rPr>
+              <a:t> </a:t>
+            </a:r>
+          </a:p>
+          <a:p>
+            <a:r>
+              <a:rPr lang="en-US" b="0" i="0" dirty="0">
+                <a:solidFill>
+                  <a:srgbClr val="000000"/>
+                </a:solidFill>
+                <a:effectLst/>
+                <a:latin typeface="Courier 10 Pitch" pitchFamily="2" charset="0"/>
+              </a:rPr>
+              <a:t>const </a:t>
+            </a:r>
+            <a:r>
+              <a:rPr lang="en-US" dirty="0">
+                <a:solidFill>
+                  <a:srgbClr val="000000"/>
+                </a:solidFill>
+                <a:latin typeface="Courier 10 Pitch" pitchFamily="2" charset="0"/>
+              </a:rPr>
+              <a:t>c</a:t>
+            </a:r>
+            <a:r>
+              <a:rPr lang="en-US" b="0" i="0" dirty="0">
+                <a:solidFill>
+                  <a:srgbClr val="000000"/>
+                </a:solidFill>
+                <a:effectLst/>
+                <a:latin typeface="Courier 10 Pitch" pitchFamily="2" charset="0"/>
+              </a:rPr>
+              <a:t>ar = new Car({type :’BMW’})</a:t>
+            </a:r>
+            <a:br>
+              <a:rPr lang="en-US" dirty="0"/>
+            </a:br>
+            <a:endParaRPr lang="en-IL" dirty="0"/>
+          </a:p>
+        </p:txBody>
+      </p:sp>
+    </p:spTree>
+    <p:extLst>
+      <p:ext uri="{BB962C8B-B14F-4D97-AF65-F5344CB8AC3E}">
+        <p14:creationId xmlns:p14="http://schemas.microsoft.com/office/powerpoint/2010/main" val="1227293410"/>
+      </p:ext>
+    </p:extLst>
+  </p:cSld>
+  <p:clrMapOvr>
+    <a:masterClrMapping/>
+  </p:clrMapOvr>
+  <mc:AlternateContent xmlns:mc="http://schemas.openxmlformats.org/markup-compatibility/2006">
+    <mc:Choice xmlns:p14="http://schemas.microsoft.com/office/powerpoint/2010/main" Requires="p14">
+      <p:transition p14:dur="0" advTm="4000"/>
+    </mc:Choice>
+    <mc:Fallback>
+      <p:transition advTm="4000"/>
+    </mc:Fallback>
+  </mc:AlternateContent>
+</p:sld>
+</file>
+
+<file path=ppt/slides/slide6.xml><?xml version="1.0" encoding="utf-8"?>
+<p:sld xmlns:a="http://schemas.openxmlformats.org/drawingml/2006/main" xmlns:r="http://schemas.openxmlformats.org/officeDocument/2006/relationships" xmlns:p="http://schemas.openxmlformats.org/presentationml/2006/main">
+  <p:cSld>
+    <p:spTree>
+      <p:nvGrpSpPr>
+        <p:cNvPr id="1" name=""/>
+        <p:cNvGrpSpPr/>
+        <p:nvPr/>
+      </p:nvGrpSpPr>
+      <p:grpSpPr>
+        <a:xfrm>
+          <a:off x="0" y="0"/>
+          <a:ext cx="0" cy="0"/>
+          <a:chOff x="0" y="0"/>
+          <a:chExt cx="0" cy="0"/>
+        </a:xfrm>
+      </p:grpSpPr>
+      <p:sp>
+        <p:nvSpPr>
+          <p:cNvPr id="2" name="Title 1">
+            <a:extLst>
+              <a:ext uri="{FF2B5EF4-FFF2-40B4-BE49-F238E27FC236}">
+                <a16:creationId xmlns:a16="http://schemas.microsoft.com/office/drawing/2014/main" id="{5401F2C0-FBFC-D3D5-410E-50F760617F17}"/>
+              </a:ext>
+            </a:extLst>
+          </p:cNvPr>
+          <p:cNvSpPr>
+            <a:spLocks noGrp="1"/>
+          </p:cNvSpPr>
+          <p:nvPr>
+            <p:ph type="title"/>
+          </p:nvPr>
+        </p:nvSpPr>
+        <p:spPr/>
+        <p:txBody>
+          <a:bodyPr/>
+          <a:lstStyle/>
+          <a:p>
+            <a:r>
+              <a:rPr lang="en-US" dirty="0"/>
+              <a:t>E</a:t>
+            </a:r>
+            <a:r>
+              <a:rPr lang="en-IL" dirty="0"/>
+              <a:t>arly days</a:t>
+            </a:r>
+            <a:br>
+              <a:rPr lang="en-IL" dirty="0"/>
+            </a:br>
+            <a:endParaRPr lang="en-IL" dirty="0"/>
+          </a:p>
+        </p:txBody>
+      </p:sp>
+      <p:pic>
+        <p:nvPicPr>
+          <p:cNvPr id="5" name="Content Placeholder 4">
+            <a:extLst>
+              <a:ext uri="{FF2B5EF4-FFF2-40B4-BE49-F238E27FC236}">
+                <a16:creationId xmlns:a16="http://schemas.microsoft.com/office/drawing/2014/main" id="{B83BFE8E-3FE5-3CAD-64CF-31EB247EA573}"/>
+              </a:ext>
+            </a:extLst>
+          </p:cNvPr>
+          <p:cNvPicPr>
+            <a:picLocks noGrp="1" noChangeAspect="1"/>
+          </p:cNvPicPr>
+          <p:nvPr>
+            <p:ph sz="quarter" idx="1"/>
+          </p:nvPr>
+        </p:nvPicPr>
+        <p:blipFill>
+          <a:blip r:embed="rId2">
+            <a:extLst>
+              <a:ext uri="{28A0092B-C50C-407E-A947-70E740481C1C}">
+                <a14:useLocalDpi xmlns:a14="http://schemas.microsoft.com/office/drawing/2010/main" val="0"/>
+              </a:ext>
+            </a:extLst>
+          </a:blip>
+          <a:stretch>
+            <a:fillRect/>
+          </a:stretch>
+        </p:blipFill>
+        <p:spPr>
+          <a:xfrm>
             <a:off x="457200" y="2106076"/>
             <a:ext cx="7467600" cy="3861872"/>
           </a:xfrm>
@@ -8117,18 +9246,18 @@
   <p:clrMapOvr>
     <a:masterClrMapping/>
   </p:clrMapOvr>
-  <mc:AlternateContent xmlns:mc="http://schemas.openxmlformats.org/markup-compatibility/2006" xmlns:p14="http://schemas.microsoft.com/office/powerpoint/2010/main">
-    <mc:Choice Requires="p14">
-      <p:transition p14:dur="0" advClick="0" advTm="4000"/>
+  <mc:AlternateContent xmlns:mc="http://schemas.openxmlformats.org/markup-compatibility/2006">
+    <mc:Choice xmlns:p14="http://schemas.microsoft.com/office/powerpoint/2010/main" Requires="p14">
+      <p:transition p14:dur="0" advTm="4000"/>
     </mc:Choice>
-    <mc:Fallback xmlns="">
-      <p:transition advClick="0" advTm="4000"/>
+    <mc:Fallback>
+      <p:transition advTm="4000"/>
     </mc:Fallback>
   </mc:AlternateContent>
 </p:sld>
 </file>
 
-<file path=ppt/slides/slide4.xml><?xml version="1.0" encoding="utf-8"?>
+<file path=ppt/slides/slide7.xml><?xml version="1.0" encoding="utf-8"?>
 <p:sld xmlns:a="http://schemas.openxmlformats.org/drawingml/2006/main" xmlns:r="http://schemas.openxmlformats.org/officeDocument/2006/relationships" xmlns:p="http://schemas.openxmlformats.org/presentationml/2006/main">
   <p:cSld>
     <p:spTree>
@@ -8267,535 +9396,12 @@
   <p:clrMapOvr>
     <a:masterClrMapping/>
   </p:clrMapOvr>
-  <mc:AlternateContent xmlns:mc="http://schemas.openxmlformats.org/markup-compatibility/2006" xmlns:p14="http://schemas.microsoft.com/office/powerpoint/2010/main">
-    <mc:Choice Requires="p14">
-      <p:transition p14:dur="0" advClick="0" advTm="4000"/>
+  <mc:AlternateContent xmlns:mc="http://schemas.openxmlformats.org/markup-compatibility/2006">
+    <mc:Choice xmlns:p14="http://schemas.microsoft.com/office/powerpoint/2010/main" Requires="p14">
+      <p:transition p14:dur="0" advTm="4000"/>
     </mc:Choice>
-    <mc:Fallback xmlns="">
-      <p:transition advClick="0" advTm="4000"/>
-    </mc:Fallback>
-  </mc:AlternateContent>
-</p:sld>
-</file>
-
-<file path=ppt/slides/slide5.xml><?xml version="1.0" encoding="utf-8"?>
-<p:sld xmlns:a="http://schemas.openxmlformats.org/drawingml/2006/main" xmlns:r="http://schemas.openxmlformats.org/officeDocument/2006/relationships" xmlns:p="http://schemas.openxmlformats.org/presentationml/2006/main">
-  <p:cSld>
-    <p:spTree>
-      <p:nvGrpSpPr>
-        <p:cNvPr id="1" name=""/>
-        <p:cNvGrpSpPr/>
-        <p:nvPr/>
-      </p:nvGrpSpPr>
-      <p:grpSpPr>
-        <a:xfrm>
-          <a:off x="0" y="0"/>
-          <a:ext cx="0" cy="0"/>
-          <a:chOff x="0" y="0"/>
-          <a:chExt cx="0" cy="0"/>
-        </a:xfrm>
-      </p:grpSpPr>
-      <p:sp>
-        <p:nvSpPr>
-          <p:cNvPr id="2" name="Title 1">
-            <a:extLst>
-              <a:ext uri="{FF2B5EF4-FFF2-40B4-BE49-F238E27FC236}">
-                <a16:creationId xmlns:a16="http://schemas.microsoft.com/office/drawing/2014/main" id="{F3B0CA6A-79B1-216D-D79E-E13D9F6B3100}"/>
-              </a:ext>
-            </a:extLst>
-          </p:cNvPr>
-          <p:cNvSpPr>
-            <a:spLocks noGrp="1"/>
-          </p:cNvSpPr>
-          <p:nvPr>
-            <p:ph type="title"/>
-          </p:nvPr>
-        </p:nvSpPr>
-        <p:spPr/>
-        <p:txBody>
-          <a:bodyPr/>
-          <a:lstStyle/>
-          <a:p>
-            <a:r>
-              <a:rPr lang="en-IL" dirty="0">
-                <a:latin typeface="Andale Mono" panose="020B0509000000000004" pitchFamily="49" charset="0"/>
-              </a:rPr>
-              <a:t>Garbeage Collection </a:t>
-            </a:r>
-          </a:p>
-        </p:txBody>
-      </p:sp>
-      <p:sp>
-        <p:nvSpPr>
-          <p:cNvPr id="3" name="Content Placeholder 2">
-            <a:extLst>
-              <a:ext uri="{FF2B5EF4-FFF2-40B4-BE49-F238E27FC236}">
-                <a16:creationId xmlns:a16="http://schemas.microsoft.com/office/drawing/2014/main" id="{8A72D63F-C4B6-2386-DB5C-869FF359EB76}"/>
-              </a:ext>
-            </a:extLst>
-          </p:cNvPr>
-          <p:cNvSpPr>
-            <a:spLocks noGrp="1"/>
-          </p:cNvSpPr>
-          <p:nvPr>
-            <p:ph sz="quarter" idx="1"/>
-          </p:nvPr>
-        </p:nvSpPr>
-        <p:spPr/>
-        <p:txBody>
-          <a:bodyPr/>
-          <a:lstStyle/>
-          <a:p>
-            <a:pPr algn="l"/>
-            <a:r>
-              <a:rPr lang="en-US" b="0" i="0" dirty="0">
-                <a:solidFill>
-                  <a:srgbClr val="404040"/>
-                </a:solidFill>
-                <a:effectLst/>
-                <a:latin typeface="Andale Mono" panose="020B0509000000000004" pitchFamily="49" charset="0"/>
-              </a:rPr>
-              <a:t>Garbage collection is the process of reclaiming the memory occupied by objects that are no longer in use by the application. Usually, memory allocation is cheap while it’s expensive to collect when the memory pool is exhausted.</a:t>
-            </a:r>
-          </a:p>
-          <a:p>
-            <a:pPr marL="0" indent="0">
-              <a:buNone/>
-            </a:pPr>
-            <a:br>
-              <a:rPr lang="en-US" dirty="0">
-                <a:latin typeface="Andale Mono" panose="020B0509000000000004" pitchFamily="49" charset="0"/>
-              </a:rPr>
-            </a:br>
-            <a:endParaRPr lang="en-IL" dirty="0">
-              <a:latin typeface="Andale Mono" panose="020B0509000000000004" pitchFamily="49" charset="0"/>
-            </a:endParaRPr>
-          </a:p>
-        </p:txBody>
-      </p:sp>
-    </p:spTree>
-    <p:extLst>
-      <p:ext uri="{BB962C8B-B14F-4D97-AF65-F5344CB8AC3E}">
-        <p14:creationId xmlns:p14="http://schemas.microsoft.com/office/powerpoint/2010/main" val="1595546549"/>
-      </p:ext>
-    </p:extLst>
-  </p:cSld>
-  <p:clrMapOvr>
-    <a:masterClrMapping/>
-  </p:clrMapOvr>
-  <mc:AlternateContent xmlns:mc="http://schemas.openxmlformats.org/markup-compatibility/2006" xmlns:p14="http://schemas.microsoft.com/office/powerpoint/2010/main">
-    <mc:Choice Requires="p14">
-      <p:transition p14:dur="0" advClick="0" advTm="4000"/>
-    </mc:Choice>
-    <mc:Fallback xmlns="">
-      <p:transition advClick="0" advTm="4000"/>
-    </mc:Fallback>
-  </mc:AlternateContent>
-</p:sld>
-</file>
-
-<file path=ppt/slides/slide6.xml><?xml version="1.0" encoding="utf-8"?>
-<p:sld xmlns:a="http://schemas.openxmlformats.org/drawingml/2006/main" xmlns:r="http://schemas.openxmlformats.org/officeDocument/2006/relationships" xmlns:p="http://schemas.openxmlformats.org/presentationml/2006/main">
-  <p:cSld>
-    <p:spTree>
-      <p:nvGrpSpPr>
-        <p:cNvPr id="1" name=""/>
-        <p:cNvGrpSpPr/>
-        <p:nvPr/>
-      </p:nvGrpSpPr>
-      <p:grpSpPr>
-        <a:xfrm>
-          <a:off x="0" y="0"/>
-          <a:ext cx="0" cy="0"/>
-          <a:chOff x="0" y="0"/>
-          <a:chExt cx="0" cy="0"/>
-        </a:xfrm>
-      </p:grpSpPr>
-      <p:sp>
-        <p:nvSpPr>
-          <p:cNvPr id="2" name="Title 1">
-            <a:extLst>
-              <a:ext uri="{FF2B5EF4-FFF2-40B4-BE49-F238E27FC236}">
-                <a16:creationId xmlns:a16="http://schemas.microsoft.com/office/drawing/2014/main" id="{A7C3F55B-256C-8102-84B0-3BC2CA26775C}"/>
-              </a:ext>
-            </a:extLst>
-          </p:cNvPr>
-          <p:cNvSpPr>
-            <a:spLocks noGrp="1"/>
-          </p:cNvSpPr>
-          <p:nvPr>
-            <p:ph type="title"/>
-          </p:nvPr>
-        </p:nvSpPr>
-        <p:spPr/>
-        <p:txBody>
-          <a:bodyPr/>
-          <a:lstStyle/>
-          <a:p>
-            <a:r>
-              <a:rPr lang="en-IL" dirty="0">
-                <a:solidFill>
-                  <a:schemeClr val="tx1"/>
-                </a:solidFill>
-                <a:latin typeface="Andale Mono" panose="020B0509000000000004" pitchFamily="49" charset="0"/>
-              </a:rPr>
-              <a:t>Reminder : The Stack</a:t>
-            </a:r>
-          </a:p>
-        </p:txBody>
-      </p:sp>
-      <p:sp>
-        <p:nvSpPr>
-          <p:cNvPr id="3" name="Content Placeholder 2">
-            <a:extLst>
-              <a:ext uri="{FF2B5EF4-FFF2-40B4-BE49-F238E27FC236}">
-                <a16:creationId xmlns:a16="http://schemas.microsoft.com/office/drawing/2014/main" id="{C5DC4E92-3836-38D3-8A9A-DF8F2A6BCDF9}"/>
-              </a:ext>
-            </a:extLst>
-          </p:cNvPr>
-          <p:cNvSpPr>
-            <a:spLocks noGrp="1"/>
-          </p:cNvSpPr>
-          <p:nvPr>
-            <p:ph sz="quarter" idx="1"/>
-          </p:nvPr>
-        </p:nvSpPr>
-        <p:spPr/>
-        <p:txBody>
-          <a:bodyPr/>
-          <a:lstStyle/>
-          <a:p>
-            <a:pPr algn="l"/>
-            <a:r>
-              <a:rPr lang="en-US" b="0" i="0" dirty="0">
-                <a:solidFill>
-                  <a:srgbClr val="404040"/>
-                </a:solidFill>
-                <a:effectLst/>
-                <a:latin typeface="Andale Mono" panose="020B0509000000000004" pitchFamily="49" charset="0"/>
-              </a:rPr>
-              <a:t>The stack contains local variables and pointers to objects on the heap or pointers defining the control flow of the application.</a:t>
-            </a:r>
-          </a:p>
-          <a:p>
-            <a:endParaRPr lang="en-US" b="0" i="0" dirty="0">
-              <a:solidFill>
-                <a:srgbClr val="000000"/>
-              </a:solidFill>
-              <a:effectLst/>
-              <a:latin typeface="Andale Mono" panose="020B0509000000000004" pitchFamily="49" charset="0"/>
-            </a:endParaRPr>
-          </a:p>
-          <a:p>
-            <a:r>
-              <a:rPr lang="en-US" b="0" i="0" dirty="0">
-                <a:solidFill>
-                  <a:srgbClr val="000000"/>
-                </a:solidFill>
-                <a:effectLst/>
-                <a:latin typeface="Andale Mono" panose="020B0509000000000004" pitchFamily="49" charset="0"/>
-              </a:rPr>
-              <a:t>function add (a, b){</a:t>
-            </a:r>
-          </a:p>
-          <a:p>
-            <a:r>
-              <a:rPr lang="en-US" b="0" i="0" dirty="0">
-                <a:solidFill>
-                  <a:srgbClr val="000000"/>
-                </a:solidFill>
-                <a:effectLst/>
-                <a:latin typeface="Andale Mono" panose="020B0509000000000004" pitchFamily="49" charset="0"/>
-              </a:rPr>
-              <a:t> return a + b </a:t>
-            </a:r>
-          </a:p>
-          <a:p>
-            <a:r>
-              <a:rPr lang="en-US" b="0" i="0" dirty="0">
-                <a:solidFill>
-                  <a:srgbClr val="000000"/>
-                </a:solidFill>
-                <a:effectLst/>
-                <a:latin typeface="Andale Mono" panose="020B0509000000000004" pitchFamily="49" charset="0"/>
-              </a:rPr>
-              <a:t>}</a:t>
-            </a:r>
-          </a:p>
-          <a:p>
-            <a:endParaRPr lang="en-US" dirty="0">
-              <a:solidFill>
-                <a:srgbClr val="000000"/>
-              </a:solidFill>
-              <a:latin typeface="Andale Mono" panose="020B0509000000000004" pitchFamily="49" charset="0"/>
-            </a:endParaRPr>
-          </a:p>
-          <a:p>
-            <a:r>
-              <a:rPr lang="en-US" b="0" i="0" dirty="0">
-                <a:solidFill>
-                  <a:srgbClr val="000000"/>
-                </a:solidFill>
-                <a:effectLst/>
-                <a:latin typeface="Andale Mono" panose="020B0509000000000004" pitchFamily="49" charset="0"/>
-              </a:rPr>
-              <a:t> add(10, </a:t>
-            </a:r>
-            <a:r>
-              <a:rPr lang="en-US" dirty="0">
-                <a:solidFill>
-                  <a:srgbClr val="000000"/>
-                </a:solidFill>
-                <a:latin typeface="Andale Mono" panose="020B0509000000000004" pitchFamily="49" charset="0"/>
-              </a:rPr>
-              <a:t>12</a:t>
-            </a:r>
-            <a:r>
-              <a:rPr lang="en-US" b="0" i="0" dirty="0">
-                <a:solidFill>
-                  <a:srgbClr val="000000"/>
-                </a:solidFill>
-                <a:effectLst/>
-                <a:latin typeface="Andale Mono" panose="020B0509000000000004" pitchFamily="49" charset="0"/>
-              </a:rPr>
-              <a:t>)</a:t>
-            </a:r>
-            <a:endParaRPr lang="en-IL" dirty="0">
-              <a:latin typeface="Andale Mono" panose="020B0509000000000004" pitchFamily="49" charset="0"/>
-            </a:endParaRPr>
-          </a:p>
-        </p:txBody>
-      </p:sp>
-    </p:spTree>
-    <p:extLst>
-      <p:ext uri="{BB962C8B-B14F-4D97-AF65-F5344CB8AC3E}">
-        <p14:creationId xmlns:p14="http://schemas.microsoft.com/office/powerpoint/2010/main" val="514541189"/>
-      </p:ext>
-    </p:extLst>
-  </p:cSld>
-  <p:clrMapOvr>
-    <a:masterClrMapping/>
-  </p:clrMapOvr>
-  <mc:AlternateContent xmlns:mc="http://schemas.openxmlformats.org/markup-compatibility/2006" xmlns:p14="http://schemas.microsoft.com/office/powerpoint/2010/main">
-    <mc:Choice Requires="p14">
-      <p:transition p14:dur="0" advClick="0" advTm="4000"/>
-    </mc:Choice>
-    <mc:Fallback xmlns="">
-      <p:transition advClick="0" advTm="4000"/>
-    </mc:Fallback>
-  </mc:AlternateContent>
-</p:sld>
-</file>
-
-<file path=ppt/slides/slide7.xml><?xml version="1.0" encoding="utf-8"?>
-<p:sld xmlns:a="http://schemas.openxmlformats.org/drawingml/2006/main" xmlns:r="http://schemas.openxmlformats.org/officeDocument/2006/relationships" xmlns:p="http://schemas.openxmlformats.org/presentationml/2006/main">
-  <p:cSld>
-    <p:spTree>
-      <p:nvGrpSpPr>
-        <p:cNvPr id="1" name=""/>
-        <p:cNvGrpSpPr/>
-        <p:nvPr/>
-      </p:nvGrpSpPr>
-      <p:grpSpPr>
-        <a:xfrm>
-          <a:off x="0" y="0"/>
-          <a:ext cx="0" cy="0"/>
-          <a:chOff x="0" y="0"/>
-          <a:chExt cx="0" cy="0"/>
-        </a:xfrm>
-      </p:grpSpPr>
-      <p:sp>
-        <p:nvSpPr>
-          <p:cNvPr id="2" name="Title 1">
-            <a:extLst>
-              <a:ext uri="{FF2B5EF4-FFF2-40B4-BE49-F238E27FC236}">
-                <a16:creationId xmlns:a16="http://schemas.microsoft.com/office/drawing/2014/main" id="{40668497-0DD8-6D76-266A-C8896C26B702}"/>
-              </a:ext>
-            </a:extLst>
-          </p:cNvPr>
-          <p:cNvSpPr>
-            <a:spLocks noGrp="1"/>
-          </p:cNvSpPr>
-          <p:nvPr>
-            <p:ph type="title"/>
-          </p:nvPr>
-        </p:nvSpPr>
-        <p:spPr/>
-        <p:txBody>
-          <a:bodyPr>
-            <a:normAutofit/>
-          </a:bodyPr>
-          <a:lstStyle/>
-          <a:p>
-            <a:r>
-              <a:rPr lang="en-IL" dirty="0">
-                <a:solidFill>
-                  <a:schemeClr val="tx1"/>
-                </a:solidFill>
-                <a:latin typeface="Andale Mono" panose="020B0509000000000004" pitchFamily="49" charset="0"/>
-              </a:rPr>
-              <a:t>Reminder :</a:t>
-            </a:r>
-            <a:r>
-              <a:rPr lang="en-US" b="1" i="0" dirty="0">
-                <a:solidFill>
-                  <a:schemeClr val="tx1"/>
-                </a:solidFill>
-                <a:effectLst/>
-                <a:latin typeface="Andale Mono" panose="020B0509000000000004" pitchFamily="49" charset="0"/>
-              </a:rPr>
-              <a:t>The Heap</a:t>
-            </a:r>
-            <a:endParaRPr lang="en-IL" dirty="0">
-              <a:solidFill>
-                <a:schemeClr val="tx1"/>
-              </a:solidFill>
-              <a:latin typeface="Andale Mono" panose="020B0509000000000004" pitchFamily="49" charset="0"/>
-            </a:endParaRPr>
-          </a:p>
-        </p:txBody>
-      </p:sp>
-      <p:sp>
-        <p:nvSpPr>
-          <p:cNvPr id="3" name="Content Placeholder 2">
-            <a:extLst>
-              <a:ext uri="{FF2B5EF4-FFF2-40B4-BE49-F238E27FC236}">
-                <a16:creationId xmlns:a16="http://schemas.microsoft.com/office/drawing/2014/main" id="{8A2F79A0-08B1-39F5-F867-8338D4725422}"/>
-              </a:ext>
-            </a:extLst>
-          </p:cNvPr>
-          <p:cNvSpPr>
-            <a:spLocks noGrp="1"/>
-          </p:cNvSpPr>
-          <p:nvPr>
-            <p:ph sz="quarter" idx="1"/>
-          </p:nvPr>
-        </p:nvSpPr>
-        <p:spPr/>
-        <p:txBody>
-          <a:bodyPr/>
-          <a:lstStyle/>
-          <a:p>
-            <a:pPr algn="l"/>
-            <a:r>
-              <a:rPr lang="en-US" b="0" i="0" dirty="0">
-                <a:solidFill>
-                  <a:srgbClr val="404040"/>
-                </a:solidFill>
-                <a:effectLst/>
-                <a:latin typeface="Montserrat" pitchFamily="2" charset="77"/>
-              </a:rPr>
-              <a:t>The heap is dedicated to store reference type objects, like objects.</a:t>
-            </a:r>
-          </a:p>
-          <a:p>
-            <a:pPr algn="l"/>
-            <a:endParaRPr lang="en-US" b="0" i="0" dirty="0">
-              <a:solidFill>
-                <a:srgbClr val="404040"/>
-              </a:solidFill>
-              <a:effectLst/>
-              <a:latin typeface="Montserrat" pitchFamily="2" charset="77"/>
-            </a:endParaRPr>
-          </a:p>
-          <a:p>
-            <a:r>
-              <a:rPr lang="en-US" b="0" i="0" dirty="0">
-                <a:solidFill>
-                  <a:srgbClr val="000000"/>
-                </a:solidFill>
-                <a:effectLst/>
-                <a:latin typeface="Courier 10 Pitch" pitchFamily="2" charset="0"/>
-              </a:rPr>
-              <a:t>function Car (opts) { </a:t>
-            </a:r>
-          </a:p>
-          <a:p>
-            <a:pPr lvl="1"/>
-            <a:r>
-              <a:rPr lang="en-US" b="0" i="0" dirty="0" err="1">
-                <a:solidFill>
-                  <a:srgbClr val="000000"/>
-                </a:solidFill>
-                <a:effectLst/>
-                <a:latin typeface="Courier 10 Pitch" pitchFamily="2" charset="0"/>
-              </a:rPr>
-              <a:t>this.name</a:t>
-            </a:r>
-            <a:r>
-              <a:rPr lang="en-US" b="0" i="0" dirty="0">
-                <a:solidFill>
-                  <a:srgbClr val="000000"/>
-                </a:solidFill>
-                <a:effectLst/>
-                <a:latin typeface="Courier 10 Pitch" pitchFamily="2" charset="0"/>
-              </a:rPr>
-              <a:t> = </a:t>
-            </a:r>
-            <a:r>
-              <a:rPr lang="en-US" b="0" i="0" dirty="0" err="1">
-                <a:solidFill>
-                  <a:srgbClr val="000000"/>
-                </a:solidFill>
-                <a:effectLst/>
-                <a:latin typeface="Courier 10 Pitch" pitchFamily="2" charset="0"/>
-              </a:rPr>
-              <a:t>opts.name</a:t>
-            </a:r>
-            <a:endParaRPr lang="en-US" b="0" i="0" dirty="0">
-              <a:solidFill>
-                <a:srgbClr val="000000"/>
-              </a:solidFill>
-              <a:effectLst/>
-              <a:latin typeface="Courier 10 Pitch" pitchFamily="2" charset="0"/>
-            </a:endParaRPr>
-          </a:p>
-          <a:p>
-            <a:r>
-              <a:rPr lang="en-US" b="0" i="0" dirty="0">
-                <a:solidFill>
-                  <a:srgbClr val="000000"/>
-                </a:solidFill>
-                <a:effectLst/>
-                <a:latin typeface="Courier 10 Pitch" pitchFamily="2" charset="0"/>
-              </a:rPr>
-              <a:t> } </a:t>
-            </a:r>
-          </a:p>
-          <a:p>
-            <a:r>
-              <a:rPr lang="en-US" b="0" i="0" dirty="0">
-                <a:solidFill>
-                  <a:srgbClr val="000000"/>
-                </a:solidFill>
-                <a:effectLst/>
-                <a:latin typeface="Courier 10 Pitch" pitchFamily="2" charset="0"/>
-              </a:rPr>
-              <a:t>const LM = new Car({name: ‘LM'})</a:t>
-            </a:r>
-            <a:br>
-              <a:rPr lang="en-US" dirty="0"/>
-            </a:br>
-            <a:endParaRPr lang="en-IL" dirty="0"/>
-          </a:p>
-        </p:txBody>
-      </p:sp>
-    </p:spTree>
-    <p:extLst>
-      <p:ext uri="{BB962C8B-B14F-4D97-AF65-F5344CB8AC3E}">
-        <p14:creationId xmlns:p14="http://schemas.microsoft.com/office/powerpoint/2010/main" val="1227293410"/>
-      </p:ext>
-    </p:extLst>
-  </p:cSld>
-  <p:clrMapOvr>
-    <a:masterClrMapping/>
-  </p:clrMapOvr>
-  <mc:AlternateContent xmlns:mc="http://schemas.openxmlformats.org/markup-compatibility/2006" xmlns:p14="http://schemas.microsoft.com/office/powerpoint/2010/main">
-    <mc:Choice Requires="p14">
-      <p:transition p14:dur="0" advClick="0" advTm="4000"/>
-    </mc:Choice>
-    <mc:Fallback xmlns="">
-      <p:transition advClick="0" advTm="4000"/>
+    <mc:Fallback>
+      <p:transition advTm="4000"/>
     </mc:Fallback>
   </mc:AlternateContent>
 </p:sld>
@@ -8823,7 +9429,7 @@
           <p:cNvPr id="2" name="Title 1">
             <a:extLst>
               <a:ext uri="{FF2B5EF4-FFF2-40B4-BE49-F238E27FC236}">
-                <a16:creationId xmlns:a16="http://schemas.microsoft.com/office/drawing/2014/main" id="{5C772948-486D-471A-2022-7A5D70B9E9A5}"/>
+                <a16:creationId xmlns:a16="http://schemas.microsoft.com/office/drawing/2014/main" id="{F3B0CA6A-79B1-216D-D79E-E13D9F6B3100}"/>
               </a:ext>
             </a:extLst>
           </p:cNvPr>
@@ -8840,8 +9446,10 @@
           <a:lstStyle/>
           <a:p>
             <a:r>
-              <a:rPr lang="en-IL" dirty="0"/>
-              <a:t>NodeJS world Term</a:t>
+              <a:rPr lang="en-IL" dirty="0">
+                <a:latin typeface="Andale Mono" panose="020B0509000000000004" pitchFamily="49" charset="0"/>
+              </a:rPr>
+              <a:t>Garbeage Collection </a:t>
             </a:r>
           </a:p>
         </p:txBody>
@@ -8851,7 +9459,7 @@
           <p:cNvPr id="3" name="Content Placeholder 2">
             <a:extLst>
               <a:ext uri="{FF2B5EF4-FFF2-40B4-BE49-F238E27FC236}">
-                <a16:creationId xmlns:a16="http://schemas.microsoft.com/office/drawing/2014/main" id="{04466C6C-40E1-8F52-4EDB-EBA40117CF1D}"/>
+                <a16:creationId xmlns:a16="http://schemas.microsoft.com/office/drawing/2014/main" id="{8A72D63F-C4B6-2386-DB5C-869FF359EB76}"/>
               </a:ext>
             </a:extLst>
           </p:cNvPr>
@@ -8864,165 +9472,25 @@
         </p:nvSpPr>
         <p:spPr/>
         <p:txBody>
-          <a:bodyPr>
-            <a:normAutofit lnSpcReduction="10000"/>
-          </a:bodyPr>
-          <a:lstStyle/>
-          <a:p>
-            <a:r>
-              <a:rPr lang="en-US" b="1" i="0" dirty="0">
-                <a:effectLst/>
-                <a:latin typeface="Andale Mono" panose="020B0509000000000004" pitchFamily="49" charset="0"/>
-              </a:rPr>
-              <a:t>--</a:t>
-            </a:r>
-            <a:r>
-              <a:rPr lang="en-US" b="1" i="0" dirty="0" err="1">
-                <a:effectLst/>
-                <a:latin typeface="Andale Mono" panose="020B0509000000000004" pitchFamily="49" charset="0"/>
-              </a:rPr>
-              <a:t>max_old_space_size</a:t>
-            </a:r>
-            <a:endParaRPr lang="en-US" b="1" i="0" dirty="0">
-              <a:effectLst/>
-              <a:latin typeface="Andale Mono" panose="020B0509000000000004" pitchFamily="49" charset="0"/>
-            </a:endParaRPr>
-          </a:p>
+          <a:bodyPr/>
+          <a:lstStyle/>
           <a:p>
             <a:pPr algn="l"/>
-            <a:r>
-              <a:rPr lang="en-US" b="0" i="0" dirty="0">
-                <a:effectLst/>
-                <a:latin typeface="Andale Mono" panose="020B0509000000000004" pitchFamily="49" charset="0"/>
-              </a:rPr>
-              <a:t>Sets the max memory size of V8's old memory section. As memory consumption approaches the limit, V8 will spend more time on garbage collection in an effort to free unused memory.</a:t>
-            </a:r>
-          </a:p>
-          <a:p>
-            <a:pPr marL="0" indent="0" algn="l">
-              <a:buNone/>
-            </a:pPr>
-            <a:r>
-              <a:rPr lang="en-US" dirty="0">
-                <a:latin typeface="Andale Mono" panose="020B0509000000000004" pitchFamily="49" charset="0"/>
-              </a:rPr>
-              <a:t>	</a:t>
-            </a:r>
-            <a:r>
-              <a:rPr lang="en-US" dirty="0" err="1">
-                <a:latin typeface="Andale Mono" panose="020B0509000000000004" pitchFamily="49" charset="0"/>
-              </a:rPr>
-              <a:t>Note:We</a:t>
-            </a:r>
-            <a:r>
-              <a:rPr lang="en-US" dirty="0">
-                <a:latin typeface="Andale Mono" panose="020B0509000000000004" pitchFamily="49" charset="0"/>
-              </a:rPr>
-              <a:t> use 5G on </a:t>
-            </a:r>
-            <a:r>
-              <a:rPr lang="en-US" dirty="0" err="1">
-                <a:latin typeface="Andale Mono" panose="020B0509000000000004" pitchFamily="49" charset="0"/>
-              </a:rPr>
-              <a:t>prud</a:t>
-            </a:r>
-            <a:r>
-              <a:rPr lang="en-US" dirty="0">
-                <a:latin typeface="Andale Mono" panose="020B0509000000000004" pitchFamily="49" charset="0"/>
-              </a:rPr>
-              <a:t> servers</a:t>
-            </a:r>
-            <a:endParaRPr lang="en-US" b="0" i="0" dirty="0">
-              <a:effectLst/>
-              <a:latin typeface="Andale Mono" panose="020B0509000000000004" pitchFamily="49" charset="0"/>
-            </a:endParaRPr>
-          </a:p>
-          <a:p>
-            <a:pPr algn="l"/>
-            <a:endParaRPr lang="en-US" b="0" i="0" dirty="0">
-              <a:effectLst/>
-              <a:latin typeface="Andale Mono" panose="020B0509000000000004" pitchFamily="49" charset="0"/>
-            </a:endParaRPr>
-          </a:p>
-          <a:p>
-            <a:r>
-              <a:rPr lang="en-US" b="1" i="0" dirty="0">
-                <a:effectLst/>
-                <a:latin typeface="Andale Mono" panose="020B0509000000000004" pitchFamily="49" charset="0"/>
-              </a:rPr>
-              <a:t>--max-semi-space-size</a:t>
-            </a:r>
-          </a:p>
-          <a:p>
-            <a:pPr marL="0" indent="0">
-              <a:buNone/>
-            </a:pPr>
-            <a:r>
-              <a:rPr lang="en-US" b="0" i="0" dirty="0" err="1">
-                <a:effectLst/>
-                <a:latin typeface="Andale Mono" panose="020B0509000000000004" pitchFamily="49" charset="0"/>
-              </a:rPr>
-              <a:t>ets</a:t>
-            </a:r>
-            <a:r>
-              <a:rPr lang="en-US" b="0" i="0" dirty="0">
-                <a:effectLst/>
-                <a:latin typeface="Andale Mono" panose="020B0509000000000004" pitchFamily="49" charset="0"/>
-              </a:rPr>
-              <a:t> the maximum </a:t>
-            </a:r>
-            <a:r>
-              <a:rPr lang="en-US" b="0" i="0" u="none" strike="noStrike" dirty="0">
-                <a:effectLst/>
-                <a:latin typeface="Andale Mono" panose="020B0509000000000004" pitchFamily="49" charset="0"/>
-                <a:hlinkClick r:id="rId2">
-                  <a:extLst>
-                    <a:ext uri="{A12FA001-AC4F-418D-AE19-62706E023703}">
-                      <ahyp:hlinkClr xmlns:ahyp="http://schemas.microsoft.com/office/drawing/2018/hyperlinkcolor" val="tx"/>
-                    </a:ext>
-                  </a:extLst>
-                </a:hlinkClick>
-              </a:rPr>
-              <a:t>semi-space</a:t>
-            </a:r>
-            <a:r>
-              <a:rPr lang="en-US" b="0" i="0" dirty="0">
-                <a:effectLst/>
-                <a:latin typeface="Andale Mono" panose="020B0509000000000004" pitchFamily="49" charset="0"/>
-              </a:rPr>
-              <a:t> size for V8's </a:t>
-            </a:r>
-            <a:r>
-              <a:rPr lang="en-US" b="0" i="0" u="none" strike="noStrike" dirty="0">
-                <a:effectLst/>
-                <a:latin typeface="Andale Mono" panose="020B0509000000000004" pitchFamily="49" charset="0"/>
-                <a:hlinkClick r:id="rId3">
-                  <a:extLst>
-                    <a:ext uri="{A12FA001-AC4F-418D-AE19-62706E023703}">
-                      <ahyp:hlinkClr xmlns:ahyp="http://schemas.microsoft.com/office/drawing/2018/hyperlinkcolor" val="tx"/>
-                    </a:ext>
-                  </a:extLst>
-                </a:hlinkClick>
-              </a:rPr>
-              <a:t>scavenge garbage collector</a:t>
-            </a:r>
-            <a:r>
-              <a:rPr lang="en-US" b="0" i="0" dirty="0">
-                <a:effectLst/>
-                <a:latin typeface="Andale Mono" panose="020B0509000000000004" pitchFamily="49" charset="0"/>
-              </a:rPr>
-              <a:t> in MiB </a:t>
-            </a:r>
             <a:r>
               <a:rPr lang="en-US" b="0" i="0" dirty="0">
                 <a:solidFill>
-                  <a:srgbClr val="FFFFFF"/>
+                  <a:srgbClr val="404040"/>
                 </a:solidFill>
                 <a:effectLst/>
                 <a:latin typeface="Andale Mono" panose="020B0509000000000004" pitchFamily="49" charset="0"/>
               </a:rPr>
-              <a:t>(megabytes)</a:t>
-            </a:r>
+              <a:t>Garbage collection is the process of reclaiming the memory occupied by objects that are no longer in use by the application.</a:t>
+            </a:r>
+          </a:p>
+          <a:p>
+            <a:pPr marL="0" indent="0">
+              <a:buNone/>
+            </a:pPr>
             <a:br>
               <a:rPr lang="en-US" dirty="0">
                 <a:latin typeface="Andale Mono" panose="020B0509000000000004" pitchFamily="49" charset="0"/>
@@ -9037,19 +9505,19 @@
     </p:spTree>
     <p:extLst>
       <p:ext uri="{BB962C8B-B14F-4D97-AF65-F5344CB8AC3E}">
-        <p14:creationId xmlns:p14="http://schemas.microsoft.com/office/powerpoint/2010/main" val="1847808850"/>
+        <p14:creationId xmlns:p14="http://schemas.microsoft.com/office/powerpoint/2010/main" val="1595546549"/>
       </p:ext>
     </p:extLst>
   </p:cSld>
   <p:clrMapOvr>
     <a:masterClrMapping/>
   </p:clrMapOvr>
-  <mc:AlternateContent xmlns:mc="http://schemas.openxmlformats.org/markup-compatibility/2006" xmlns:p14="http://schemas.microsoft.com/office/powerpoint/2010/main">
-    <mc:Choice Requires="p14">
-      <p:transition p14:dur="0" advClick="0" advTm="4000"/>
+  <mc:AlternateContent xmlns:mc="http://schemas.openxmlformats.org/markup-compatibility/2006">
+    <mc:Choice xmlns:p14="http://schemas.microsoft.com/office/powerpoint/2010/main" Requires="p14">
+      <p:transition p14:dur="0" advTm="4000"/>
     </mc:Choice>
-    <mc:Fallback xmlns="">
-      <p:transition advClick="0" advTm="4000"/>
+    <mc:Fallback>
+      <p:transition advTm="4000"/>
     </mc:Fallback>
   </mc:AlternateContent>
 </p:sld>
@@ -9164,12 +9632,12 @@
   <p:clrMapOvr>
     <a:masterClrMapping/>
   </p:clrMapOvr>
-  <mc:AlternateContent xmlns:mc="http://schemas.openxmlformats.org/markup-compatibility/2006" xmlns:p14="http://schemas.microsoft.com/office/powerpoint/2010/main">
-    <mc:Choice Requires="p14">
-      <p:transition p14:dur="0" advClick="0" advTm="4000"/>
+  <mc:AlternateContent xmlns:mc="http://schemas.openxmlformats.org/markup-compatibility/2006">
+    <mc:Choice xmlns:p14="http://schemas.microsoft.com/office/powerpoint/2010/main" Requires="p14">
+      <p:transition p14:dur="0" advTm="4000"/>
     </mc:Choice>
-    <mc:Fallback xmlns="">
-      <p:transition advClick="0" advTm="4000"/>
+    <mc:Fallback>
+      <p:transition advTm="4000"/>
     </mc:Fallback>
   </mc:AlternateContent>
 </p:sld>

--- a/GC&memLeaks/demand-mem-leak.pptx
+++ b/GC&memLeaks/demand-mem-leak.pptx
@@ -5720,10 +5720,10 @@
   </p:clrMapOvr>
   <mc:AlternateContent xmlns:mc="http://schemas.openxmlformats.org/markup-compatibility/2006">
     <mc:Choice xmlns:p14="http://schemas.microsoft.com/office/powerpoint/2010/main" Requires="p14">
-      <p:transition p14:dur="0" advTm="0"/>
+      <p:transition p14:dur="0"/>
     </mc:Choice>
     <mc:Fallback>
-      <p:transition advTm="0"/>
+      <p:transition/>
     </mc:Fallback>
   </mc:AlternateContent>
 </p:sld>
@@ -5836,10 +5836,10 @@
   </p:clrMapOvr>
   <mc:AlternateContent xmlns:mc="http://schemas.openxmlformats.org/markup-compatibility/2006">
     <mc:Choice xmlns:p14="http://schemas.microsoft.com/office/powerpoint/2010/main" Requires="p14">
-      <p:transition p14:dur="0" advTm="4000"/>
+      <p:transition p14:dur="0"/>
     </mc:Choice>
     <mc:Fallback>
-      <p:transition advTm="4000"/>
+      <p:transition/>
     </mc:Fallback>
   </mc:AlternateContent>
 </p:sld>
@@ -6085,10 +6085,10 @@
   </p:clrMapOvr>
   <mc:AlternateContent xmlns:mc="http://schemas.openxmlformats.org/markup-compatibility/2006">
     <mc:Choice xmlns:p14="http://schemas.microsoft.com/office/powerpoint/2010/main" Requires="p14">
-      <p:transition p14:dur="0" advTm="4000"/>
+      <p:transition p14:dur="0"/>
     </mc:Choice>
     <mc:Fallback>
-      <p:transition advTm="4000"/>
+      <p:transition/>
     </mc:Fallback>
   </mc:AlternateContent>
 </p:sld>
@@ -6163,10 +6163,10 @@
   </p:clrMapOvr>
   <mc:AlternateContent xmlns:mc="http://schemas.openxmlformats.org/markup-compatibility/2006">
     <mc:Choice xmlns:p14="http://schemas.microsoft.com/office/powerpoint/2010/main" Requires="p14">
-      <p:transition p14:dur="0" advTm="4000"/>
+      <p:transition p14:dur="0"/>
     </mc:Choice>
     <mc:Fallback>
-      <p:transition advTm="4000"/>
+      <p:transition/>
     </mc:Fallback>
   </mc:AlternateContent>
 </p:sld>
@@ -6304,10 +6304,10 @@
   </p:clrMapOvr>
   <mc:AlternateContent xmlns:mc="http://schemas.openxmlformats.org/markup-compatibility/2006">
     <mc:Choice xmlns:p14="http://schemas.microsoft.com/office/powerpoint/2010/main" Requires="p14">
-      <p:transition p14:dur="0" advTm="4000"/>
+      <p:transition p14:dur="0"/>
     </mc:Choice>
     <mc:Fallback>
-      <p:transition advTm="4000"/>
+      <p:transition/>
     </mc:Fallback>
   </mc:AlternateContent>
 </p:sld>
@@ -6437,10 +6437,10 @@
   </p:clrMapOvr>
   <mc:AlternateContent xmlns:mc="http://schemas.openxmlformats.org/markup-compatibility/2006">
     <mc:Choice xmlns:p14="http://schemas.microsoft.com/office/powerpoint/2010/main" Requires="p14">
-      <p:transition p14:dur="0" advTm="4000"/>
+      <p:transition p14:dur="0"/>
     </mc:Choice>
     <mc:Fallback>
-      <p:transition advTm="4000"/>
+      <p:transition/>
     </mc:Fallback>
   </mc:AlternateContent>
 </p:sld>
@@ -6538,10 +6538,10 @@
   </p:clrMapOvr>
   <mc:AlternateContent xmlns:mc="http://schemas.openxmlformats.org/markup-compatibility/2006">
     <mc:Choice xmlns:p14="http://schemas.microsoft.com/office/powerpoint/2010/main" Requires="p14">
-      <p:transition p14:dur="0" advTm="4000"/>
+      <p:transition p14:dur="0"/>
     </mc:Choice>
     <mc:Fallback>
-      <p:transition advTm="4000"/>
+      <p:transition/>
     </mc:Fallback>
   </mc:AlternateContent>
 </p:sld>
@@ -6792,10 +6792,10 @@
   </p:clrMapOvr>
   <mc:AlternateContent xmlns:mc="http://schemas.openxmlformats.org/markup-compatibility/2006">
     <mc:Choice xmlns:p14="http://schemas.microsoft.com/office/powerpoint/2010/main" Requires="p14">
-      <p:transition p14:dur="0" advTm="4000"/>
+      <p:transition p14:dur="0"/>
     </mc:Choice>
     <mc:Fallback>
-      <p:transition advTm="4000"/>
+      <p:transition/>
     </mc:Fallback>
   </mc:AlternateContent>
 </p:sld>
@@ -7050,10 +7050,10 @@
   </p:clrMapOvr>
   <mc:AlternateContent xmlns:mc="http://schemas.openxmlformats.org/markup-compatibility/2006">
     <mc:Choice xmlns:p14="http://schemas.microsoft.com/office/powerpoint/2010/main" Requires="p14">
-      <p:transition p14:dur="0" advTm="4000"/>
+      <p:transition p14:dur="0"/>
     </mc:Choice>
     <mc:Fallback>
-      <p:transition advTm="4000"/>
+      <p:transition/>
     </mc:Fallback>
   </mc:AlternateContent>
 </p:sld>
@@ -7209,10 +7209,10 @@
   </p:clrMapOvr>
   <mc:AlternateContent xmlns:mc="http://schemas.openxmlformats.org/markup-compatibility/2006">
     <mc:Choice xmlns:p14="http://schemas.microsoft.com/office/powerpoint/2010/main" Requires="p14">
-      <p:transition p14:dur="0" advTm="4000"/>
+      <p:transition p14:dur="0"/>
     </mc:Choice>
     <mc:Fallback>
-      <p:transition advTm="4000"/>
+      <p:transition/>
     </mc:Fallback>
   </mc:AlternateContent>
 </p:sld>
@@ -7368,10 +7368,10 @@
   </p:clrMapOvr>
   <mc:AlternateContent xmlns:mc="http://schemas.openxmlformats.org/markup-compatibility/2006">
     <mc:Choice xmlns:p14="http://schemas.microsoft.com/office/powerpoint/2010/main" Requires="p14">
-      <p:transition p14:dur="0" advTm="4000"/>
+      <p:transition p14:dur="0"/>
     </mc:Choice>
     <mc:Fallback>
-      <p:transition advTm="4000"/>
+      <p:transition/>
     </mc:Fallback>
   </mc:AlternateContent>
 </p:sld>
@@ -7501,10 +7501,10 @@
   </p:clrMapOvr>
   <mc:AlternateContent xmlns:mc="http://schemas.openxmlformats.org/markup-compatibility/2006">
     <mc:Choice xmlns:p14="http://schemas.microsoft.com/office/powerpoint/2010/main" Requires="p14">
-      <p:transition p14:dur="0" advTm="4000"/>
+      <p:transition p14:dur="0"/>
     </mc:Choice>
     <mc:Fallback>
-      <p:transition advTm="4000"/>
+      <p:transition/>
     </mc:Fallback>
   </mc:AlternateContent>
 </p:sld>
@@ -7697,10 +7697,10 @@
   </p:clrMapOvr>
   <mc:AlternateContent xmlns:mc="http://schemas.openxmlformats.org/markup-compatibility/2006">
     <mc:Choice xmlns:p14="http://schemas.microsoft.com/office/powerpoint/2010/main" Requires="p14">
-      <p:transition p14:dur="0" advTm="4000"/>
+      <p:transition p14:dur="0"/>
     </mc:Choice>
     <mc:Fallback>
-      <p:transition advTm="4000"/>
+      <p:transition/>
     </mc:Fallback>
   </mc:AlternateContent>
 </p:sld>
@@ -7767,10 +7767,10 @@
   </p:clrMapOvr>
   <mc:AlternateContent xmlns:mc="http://schemas.openxmlformats.org/markup-compatibility/2006">
     <mc:Choice xmlns:p14="http://schemas.microsoft.com/office/powerpoint/2010/main" Requires="p14">
-      <p:transition p14:dur="0" advTm="4000"/>
+      <p:transition p14:dur="0"/>
     </mc:Choice>
     <mc:Fallback>
-      <p:transition advTm="4000"/>
+      <p:transition/>
     </mc:Fallback>
   </mc:AlternateContent>
 </p:sld>
@@ -7914,10 +7914,10 @@
   </p:clrMapOvr>
   <mc:AlternateContent xmlns:mc="http://schemas.openxmlformats.org/markup-compatibility/2006">
     <mc:Choice xmlns:p14="http://schemas.microsoft.com/office/powerpoint/2010/main" Requires="p14">
-      <p:transition p14:dur="0" advTm="4000"/>
+      <p:transition p14:dur="0"/>
     </mc:Choice>
     <mc:Fallback>
-      <p:transition advTm="4000"/>
+      <p:transition/>
     </mc:Fallback>
   </mc:AlternateContent>
 </p:sld>
@@ -8061,10 +8061,10 @@
   </p:clrMapOvr>
   <mc:AlternateContent xmlns:mc="http://schemas.openxmlformats.org/markup-compatibility/2006">
     <mc:Choice xmlns:p14="http://schemas.microsoft.com/office/powerpoint/2010/main" Requires="p14">
-      <p:transition p14:dur="0" advTm="4000"/>
+      <p:transition p14:dur="0"/>
     </mc:Choice>
     <mc:Fallback>
-      <p:transition advTm="4000"/>
+      <p:transition/>
     </mc:Fallback>
   </mc:AlternateContent>
 </p:sld>
@@ -8366,10 +8366,10 @@
   </p:clrMapOvr>
   <mc:AlternateContent xmlns:mc="http://schemas.openxmlformats.org/markup-compatibility/2006">
     <mc:Choice xmlns:p14="http://schemas.microsoft.com/office/powerpoint/2010/main" Requires="p14">
-      <p:transition p14:dur="0" advTm="4000"/>
+      <p:transition p14:dur="0"/>
     </mc:Choice>
     <mc:Fallback>
-      <p:transition advTm="4000"/>
+      <p:transition/>
     </mc:Fallback>
   </mc:AlternateContent>
 </p:sld>
@@ -8579,10 +8579,10 @@
   </p:clrMapOvr>
   <mc:AlternateContent xmlns:mc="http://schemas.openxmlformats.org/markup-compatibility/2006">
     <mc:Choice xmlns:p14="http://schemas.microsoft.com/office/powerpoint/2010/main" Requires="p14">
-      <p:transition p14:dur="0" advTm="4000"/>
+      <p:transition p14:dur="0"/>
     </mc:Choice>
     <mc:Fallback>
-      <p:transition advTm="4000"/>
+      <p:transition/>
     </mc:Fallback>
   </mc:AlternateContent>
 </p:sld>
@@ -8886,10 +8886,10 @@
   </p:clrMapOvr>
   <mc:AlternateContent xmlns:mc="http://schemas.openxmlformats.org/markup-compatibility/2006">
     <mc:Choice xmlns:p14="http://schemas.microsoft.com/office/powerpoint/2010/main" Requires="p14">
-      <p:transition p14:dur="0" advTm="4000"/>
+      <p:transition p14:dur="0"/>
     </mc:Choice>
     <mc:Fallback>
-      <p:transition advTm="4000"/>
+      <p:transition/>
     </mc:Fallback>
   </mc:AlternateContent>
 </p:sld>
@@ -9139,10 +9139,10 @@
   </p:clrMapOvr>
   <mc:AlternateContent xmlns:mc="http://schemas.openxmlformats.org/markup-compatibility/2006">
     <mc:Choice xmlns:p14="http://schemas.microsoft.com/office/powerpoint/2010/main" Requires="p14">
-      <p:transition p14:dur="0" advTm="4000"/>
+      <p:transition p14:dur="0"/>
     </mc:Choice>
     <mc:Fallback>
-      <p:transition advTm="4000"/>
+      <p:transition/>
     </mc:Fallback>
   </mc:AlternateContent>
 </p:sld>
@@ -9248,10 +9248,10 @@
   </p:clrMapOvr>
   <mc:AlternateContent xmlns:mc="http://schemas.openxmlformats.org/markup-compatibility/2006">
     <mc:Choice xmlns:p14="http://schemas.microsoft.com/office/powerpoint/2010/main" Requires="p14">
-      <p:transition p14:dur="0" advTm="4000"/>
+      <p:transition p14:dur="0"/>
     </mc:Choice>
     <mc:Fallback>
-      <p:transition advTm="4000"/>
+      <p:transition/>
     </mc:Fallback>
   </mc:AlternateContent>
 </p:sld>
@@ -9398,10 +9398,10 @@
   </p:clrMapOvr>
   <mc:AlternateContent xmlns:mc="http://schemas.openxmlformats.org/markup-compatibility/2006">
     <mc:Choice xmlns:p14="http://schemas.microsoft.com/office/powerpoint/2010/main" Requires="p14">
-      <p:transition p14:dur="0" advTm="4000"/>
+      <p:transition p14:dur="0"/>
     </mc:Choice>
     <mc:Fallback>
-      <p:transition advTm="4000"/>
+      <p:transition/>
     </mc:Fallback>
   </mc:AlternateContent>
 </p:sld>
@@ -9514,10 +9514,10 @@
   </p:clrMapOvr>
   <mc:AlternateContent xmlns:mc="http://schemas.openxmlformats.org/markup-compatibility/2006">
     <mc:Choice xmlns:p14="http://schemas.microsoft.com/office/powerpoint/2010/main" Requires="p14">
-      <p:transition p14:dur="0" advTm="4000"/>
+      <p:transition p14:dur="0"/>
     </mc:Choice>
     <mc:Fallback>
-      <p:transition advTm="4000"/>
+      <p:transition/>
     </mc:Fallback>
   </mc:AlternateContent>
 </p:sld>
@@ -9634,10 +9634,10 @@
   </p:clrMapOvr>
   <mc:AlternateContent xmlns:mc="http://schemas.openxmlformats.org/markup-compatibility/2006">
     <mc:Choice xmlns:p14="http://schemas.microsoft.com/office/powerpoint/2010/main" Requires="p14">
-      <p:transition p14:dur="0" advTm="4000"/>
+      <p:transition p14:dur="0"/>
     </mc:Choice>
     <mc:Fallback>
-      <p:transition advTm="4000"/>
+      <p:transition/>
     </mc:Fallback>
   </mc:AlternateContent>
 </p:sld>
